--- a/IBM Data Analyst Capstone Project/IBM data analyst capstone project presentation.pptx
+++ b/IBM Data Analyst Capstone Project/IBM data analyst capstone project presentation.pptx
@@ -129,7 +129,7 @@
   </p:defaultTextStyle>
   <p:extLst>
     <p:ext uri="{EFAFB233-063F-42B5-8137-9DF3F51BA10A}">
-      <p15:sldGuideLst xmlns:p15="http://schemas.microsoft.com/office/powerpoint/2012/main"/>
+      <p15:sldGuideLst xmlns:p15="http://schemas.microsoft.com/office/powerpoint/2012/main" xmlns=""/>
     </p:ext>
   </p:extLst>
 </p:presentation>
@@ -140,21 +140,21 @@
   <p:cmAuthor id="1" name="Rose Malcolm" initials="RM" lastIdx="1" clrIdx="0">
     <p:extLst>
       <p:ext uri="{19B8F6BF-5375-455C-9EA6-DF929625EA0E}">
-        <p15:presenceInfo xmlns:p15="http://schemas.microsoft.com/office/powerpoint/2012/main" userId="Rose Malcolm" providerId="None"/>
+        <p15:presenceInfo xmlns:p15="http://schemas.microsoft.com/office/powerpoint/2012/main" xmlns="" userId="Rose Malcolm" providerId="None"/>
       </p:ext>
     </p:extLst>
   </p:cmAuthor>
   <p:cmAuthor id="2" name="Rose Malcolm" initials="RM [2]" lastIdx="7" clrIdx="1">
     <p:extLst>
       <p:ext uri="{19B8F6BF-5375-455C-9EA6-DF929625EA0E}">
-        <p15:presenceInfo xmlns:p15="http://schemas.microsoft.com/office/powerpoint/2012/main" userId="17c9fa32013483c0" providerId="Windows Live"/>
+        <p15:presenceInfo xmlns:p15="http://schemas.microsoft.com/office/powerpoint/2012/main" xmlns="" userId="17c9fa32013483c0" providerId="Windows Live"/>
       </p:ext>
     </p:extLst>
   </p:cmAuthor>
   <p:cmAuthor id="3" name="Ramesh Sannareddy" initials="RS" lastIdx="7" clrIdx="2">
     <p:extLst>
       <p:ext uri="{19B8F6BF-5375-455C-9EA6-DF929625EA0E}">
-        <p15:presenceInfo xmlns:p15="http://schemas.microsoft.com/office/powerpoint/2012/main" userId="YZ5PSXVD06EfD4/04RF+4IpszM4ZmL7FtUZDJf4jPLA=" providerId="None"/>
+        <p15:presenceInfo xmlns:p15="http://schemas.microsoft.com/office/powerpoint/2012/main" xmlns="" userId="YZ5PSXVD06EfD4/04RF+4IpszM4ZmL7FtUZDJf4jPLA=" providerId="None"/>
       </p:ext>
     </p:extLst>
   </p:cmAuthor>
@@ -1400,7 +1400,8 @@
           <a:p>
             <a:fld id="{9E497948-54D2-43F8-9A63-A99FE3051738}" type="datetimeFigureOut">
               <a:rPr lang="en-US" smtClean="0"/>
-              <a:t>11/25/2022</a:t>
+              <a:pPr/>
+              <a:t>11/26/2022</a:t>
             </a:fld>
             <a:endParaRPr lang="en-US"/>
           </a:p>
@@ -1558,6 +1559,7 @@
           <a:p>
             <a:fld id="{EEBDA0E2-FEBD-4B65-8F16-724CF984F377}" type="slidenum">
               <a:rPr lang="en-US" smtClean="0"/>
+              <a:pPr/>
               <a:t>‹#›</a:t>
             </a:fld>
             <a:endParaRPr lang="en-US"/>
@@ -1567,7 +1569,7 @@
     </p:spTree>
     <p:extLst>
       <p:ext uri="{BB962C8B-B14F-4D97-AF65-F5344CB8AC3E}">
-        <p14:creationId xmlns:p14="http://schemas.microsoft.com/office/powerpoint/2010/main" val="2802222297"/>
+        <p14:creationId xmlns:p14="http://schemas.microsoft.com/office/powerpoint/2010/main" xmlns="" val="2802222297"/>
       </p:ext>
     </p:extLst>
   </p:cSld>
@@ -1732,6 +1734,7 @@
           <a:p>
             <a:fld id="{EEBDA0E2-FEBD-4B65-8F16-724CF984F377}" type="slidenum">
               <a:rPr lang="en-US" smtClean="0"/>
+              <a:pPr/>
               <a:t>1</a:t>
             </a:fld>
             <a:endParaRPr lang="en-US"/>
@@ -1741,7 +1744,7 @@
     </p:spTree>
     <p:extLst>
       <p:ext uri="{BB962C8B-B14F-4D97-AF65-F5344CB8AC3E}">
-        <p14:creationId xmlns:p14="http://schemas.microsoft.com/office/powerpoint/2010/main" val="3443951102"/>
+        <p14:creationId xmlns:p14="http://schemas.microsoft.com/office/powerpoint/2010/main" xmlns="" val="3443951102"/>
       </p:ext>
     </p:extLst>
   </p:cSld>
@@ -1816,6 +1819,7 @@
           <a:p>
             <a:fld id="{EEBDA0E2-FEBD-4B65-8F16-724CF984F377}" type="slidenum">
               <a:rPr lang="en-US" smtClean="0"/>
+              <a:pPr/>
               <a:t>3</a:t>
             </a:fld>
             <a:endParaRPr lang="en-US"/>
@@ -1825,7 +1829,7 @@
     </p:spTree>
     <p:extLst>
       <p:ext uri="{BB962C8B-B14F-4D97-AF65-F5344CB8AC3E}">
-        <p14:creationId xmlns:p14="http://schemas.microsoft.com/office/powerpoint/2010/main" val="1612312354"/>
+        <p14:creationId xmlns:p14="http://schemas.microsoft.com/office/powerpoint/2010/main" xmlns="" val="1612312354"/>
       </p:ext>
     </p:extLst>
   </p:cSld>
@@ -2139,7 +2143,7 @@
     </p:spTree>
     <p:extLst>
       <p:ext uri="{BB962C8B-B14F-4D97-AF65-F5344CB8AC3E}">
-        <p14:creationId xmlns:p14="http://schemas.microsoft.com/office/powerpoint/2010/main" val="3736152338"/>
+        <p14:creationId xmlns:p14="http://schemas.microsoft.com/office/powerpoint/2010/main" xmlns="" val="3736152338"/>
       </p:ext>
     </p:extLst>
   </p:cSld>
@@ -2333,7 +2337,7 @@
     </p:spTree>
     <p:extLst>
       <p:ext uri="{BB962C8B-B14F-4D97-AF65-F5344CB8AC3E}">
-        <p14:creationId xmlns:p14="http://schemas.microsoft.com/office/powerpoint/2010/main" val="1639268502"/>
+        <p14:creationId xmlns:p14="http://schemas.microsoft.com/office/powerpoint/2010/main" xmlns="" val="1639268502"/>
       </p:ext>
     </p:extLst>
   </p:cSld>
@@ -2468,7 +2472,7 @@
     </p:spTree>
     <p:extLst>
       <p:ext uri="{BB962C8B-B14F-4D97-AF65-F5344CB8AC3E}">
-        <p14:creationId xmlns:p14="http://schemas.microsoft.com/office/powerpoint/2010/main" val="614706249"/>
+        <p14:creationId xmlns:p14="http://schemas.microsoft.com/office/powerpoint/2010/main" xmlns="" val="614706249"/>
       </p:ext>
     </p:extLst>
   </p:cSld>
@@ -2581,7 +2585,7 @@
     </p:spTree>
     <p:extLst>
       <p:ext uri="{BB962C8B-B14F-4D97-AF65-F5344CB8AC3E}">
-        <p14:creationId xmlns:p14="http://schemas.microsoft.com/office/powerpoint/2010/main" val="1725687683"/>
+        <p14:creationId xmlns:p14="http://schemas.microsoft.com/office/powerpoint/2010/main" xmlns="" val="1725687683"/>
       </p:ext>
     </p:extLst>
   </p:cSld>
@@ -2611,7 +2615,7 @@
     </p:spTree>
     <p:extLst>
       <p:ext uri="{BB962C8B-B14F-4D97-AF65-F5344CB8AC3E}">
-        <p14:creationId xmlns:p14="http://schemas.microsoft.com/office/powerpoint/2010/main" val="4157246944"/>
+        <p14:creationId xmlns:p14="http://schemas.microsoft.com/office/powerpoint/2010/main" xmlns="" val="4157246944"/>
       </p:ext>
     </p:extLst>
   </p:cSld>
@@ -2749,7 +2753,7 @@
     </p:spTree>
     <p:extLst>
       <p:ext uri="{BB962C8B-B14F-4D97-AF65-F5344CB8AC3E}">
-        <p14:creationId xmlns:p14="http://schemas.microsoft.com/office/powerpoint/2010/main" val="149702998"/>
+        <p14:creationId xmlns:p14="http://schemas.microsoft.com/office/powerpoint/2010/main" xmlns="" val="149702998"/>
       </p:ext>
     </p:extLst>
   </p:cSld>
@@ -2929,7 +2933,7 @@
     </p:spTree>
     <p:extLst>
       <p:ext uri="{BB962C8B-B14F-4D97-AF65-F5344CB8AC3E}">
-        <p14:creationId xmlns:p14="http://schemas.microsoft.com/office/powerpoint/2010/main" val="2344850389"/>
+        <p14:creationId xmlns:p14="http://schemas.microsoft.com/office/powerpoint/2010/main" xmlns="" val="2344850389"/>
       </p:ext>
     </p:extLst>
   </p:cSld>
@@ -3120,8 +3124,8 @@
           </a:fontRef>
         </p:style>
       </p:cxnSp>
-      <mc:AlternateContent xmlns:mc="http://schemas.openxmlformats.org/markup-compatibility/2006" xmlns:p14="http://schemas.microsoft.com/office/powerpoint/2010/main">
-        <mc:Choice Requires="p14">
+      <mc:AlternateContent xmlns:mc="http://schemas.openxmlformats.org/markup-compatibility/2006">
+        <mc:Choice xmlns:p14="http://schemas.microsoft.com/office/powerpoint/2010/main" xmlns="" Requires="p14">
           <p:contentPart p14:bwMode="auto" r:id="rId2">
             <p14:nvContentPartPr>
               <p14:cNvPr id="5" name="Ink 4">
@@ -3140,13 +3144,13 @@
             </p14:xfrm>
           </p:contentPart>
         </mc:Choice>
-        <mc:Fallback xmlns="">
+        <mc:Fallback>
           <p:pic>
             <p:nvPicPr>
               <p:cNvPr id="5" name="Ink 4">
                 <a:extLst>
                   <a:ext uri="{FF2B5EF4-FFF2-40B4-BE49-F238E27FC236}">
-                    <a16:creationId xmlns:a16="http://schemas.microsoft.com/office/drawing/2014/main" id="{7F3045DE-3AB7-4E3E-A391-4F9107A8F8C9}"/>
+                    <a16:creationId xmlns:a16="http://schemas.microsoft.com/office/drawing/2014/main" xmlns="" xmlns:p14="http://schemas.microsoft.com/office/powerpoint/2010/main" id="{7F3045DE-3AB7-4E3E-A391-4F9107A8F8C9}"/>
                   </a:ext>
                 </a:extLst>
               </p:cNvPr>
@@ -3171,8 +3175,8 @@
           </p:pic>
         </mc:Fallback>
       </mc:AlternateContent>
-      <mc:AlternateContent xmlns:mc="http://schemas.openxmlformats.org/markup-compatibility/2006" xmlns:p14="http://schemas.microsoft.com/office/powerpoint/2010/main">
-        <mc:Choice Requires="p14">
+      <mc:AlternateContent xmlns:mc="http://schemas.openxmlformats.org/markup-compatibility/2006">
+        <mc:Choice xmlns:p14="http://schemas.microsoft.com/office/powerpoint/2010/main" xmlns="" Requires="p14">
           <p:contentPart p14:bwMode="auto" r:id="rId4">
             <p14:nvContentPartPr>
               <p14:cNvPr id="6" name="Ink 5">
@@ -3191,13 +3195,13 @@
             </p14:xfrm>
           </p:contentPart>
         </mc:Choice>
-        <mc:Fallback xmlns="">
+        <mc:Fallback>
           <p:pic>
             <p:nvPicPr>
               <p:cNvPr id="6" name="Ink 5">
                 <a:extLst>
                   <a:ext uri="{FF2B5EF4-FFF2-40B4-BE49-F238E27FC236}">
-                    <a16:creationId xmlns:a16="http://schemas.microsoft.com/office/drawing/2014/main" id="{B64BE9BD-96C6-496B-8F87-BF8B5FE6878E}"/>
+                    <a16:creationId xmlns:a16="http://schemas.microsoft.com/office/drawing/2014/main" xmlns="" xmlns:p14="http://schemas.microsoft.com/office/powerpoint/2010/main" id="{B64BE9BD-96C6-496B-8F87-BF8B5FE6878E}"/>
                   </a:ext>
                 </a:extLst>
               </p:cNvPr>
@@ -3222,8 +3226,8 @@
           </p:pic>
         </mc:Fallback>
       </mc:AlternateContent>
-      <mc:AlternateContent xmlns:mc="http://schemas.openxmlformats.org/markup-compatibility/2006" xmlns:p14="http://schemas.microsoft.com/office/powerpoint/2010/main">
-        <mc:Choice Requires="p14">
+      <mc:AlternateContent xmlns:mc="http://schemas.openxmlformats.org/markup-compatibility/2006">
+        <mc:Choice xmlns:p14="http://schemas.microsoft.com/office/powerpoint/2010/main" xmlns="" Requires="p14">
           <p:contentPart p14:bwMode="auto" r:id="rId6">
             <p14:nvContentPartPr>
               <p14:cNvPr id="7" name="Ink 6">
@@ -3242,13 +3246,13 @@
             </p14:xfrm>
           </p:contentPart>
         </mc:Choice>
-        <mc:Fallback xmlns="">
+        <mc:Fallback>
           <p:pic>
             <p:nvPicPr>
               <p:cNvPr id="7" name="Ink 6">
                 <a:extLst>
                   <a:ext uri="{FF2B5EF4-FFF2-40B4-BE49-F238E27FC236}">
-                    <a16:creationId xmlns:a16="http://schemas.microsoft.com/office/drawing/2014/main" id="{5547CB02-1206-4981-BA1F-98056CC7D0F6}"/>
+                    <a16:creationId xmlns:a16="http://schemas.microsoft.com/office/drawing/2014/main" xmlns="" xmlns:p14="http://schemas.microsoft.com/office/powerpoint/2010/main" id="{5547CB02-1206-4981-BA1F-98056CC7D0F6}"/>
                   </a:ext>
                 </a:extLst>
               </p:cNvPr>
@@ -3273,8 +3277,8 @@
           </p:pic>
         </mc:Fallback>
       </mc:AlternateContent>
-      <mc:AlternateContent xmlns:mc="http://schemas.openxmlformats.org/markup-compatibility/2006" xmlns:p14="http://schemas.microsoft.com/office/powerpoint/2010/main">
-        <mc:Choice Requires="p14">
+      <mc:AlternateContent xmlns:mc="http://schemas.openxmlformats.org/markup-compatibility/2006">
+        <mc:Choice xmlns:p14="http://schemas.microsoft.com/office/powerpoint/2010/main" xmlns="" Requires="p14">
           <p:contentPart p14:bwMode="auto" r:id="rId7">
             <p14:nvContentPartPr>
               <p14:cNvPr id="9" name="Ink 8">
@@ -3293,13 +3297,13 @@
             </p14:xfrm>
           </p:contentPart>
         </mc:Choice>
-        <mc:Fallback xmlns="">
+        <mc:Fallback>
           <p:pic>
             <p:nvPicPr>
               <p:cNvPr id="9" name="Ink 8">
                 <a:extLst>
                   <a:ext uri="{FF2B5EF4-FFF2-40B4-BE49-F238E27FC236}">
-                    <a16:creationId xmlns:a16="http://schemas.microsoft.com/office/drawing/2014/main" id="{00AC9549-295A-481F-BAC1-D217607B1470}"/>
+                    <a16:creationId xmlns:a16="http://schemas.microsoft.com/office/drawing/2014/main" xmlns="" xmlns:p14="http://schemas.microsoft.com/office/powerpoint/2010/main" id="{00AC9549-295A-481F-BAC1-D217607B1470}"/>
                   </a:ext>
                 </a:extLst>
               </p:cNvPr>
@@ -3324,8 +3328,8 @@
           </p:pic>
         </mc:Fallback>
       </mc:AlternateContent>
-      <mc:AlternateContent xmlns:mc="http://schemas.openxmlformats.org/markup-compatibility/2006" xmlns:p14="http://schemas.microsoft.com/office/powerpoint/2010/main">
-        <mc:Choice Requires="p14">
+      <mc:AlternateContent xmlns:mc="http://schemas.openxmlformats.org/markup-compatibility/2006">
+        <mc:Choice xmlns:p14="http://schemas.microsoft.com/office/powerpoint/2010/main" xmlns="" Requires="p14">
           <p:contentPart p14:bwMode="auto" r:id="rId8">
             <p14:nvContentPartPr>
               <p14:cNvPr id="10" name="Ink 9">
@@ -3344,13 +3348,13 @@
             </p14:xfrm>
           </p:contentPart>
         </mc:Choice>
-        <mc:Fallback xmlns="">
+        <mc:Fallback>
           <p:pic>
             <p:nvPicPr>
               <p:cNvPr id="10" name="Ink 9">
                 <a:extLst>
                   <a:ext uri="{FF2B5EF4-FFF2-40B4-BE49-F238E27FC236}">
-                    <a16:creationId xmlns:a16="http://schemas.microsoft.com/office/drawing/2014/main" id="{582B34FC-FED6-4B35-B336-2C001BF70FEA}"/>
+                    <a16:creationId xmlns:a16="http://schemas.microsoft.com/office/drawing/2014/main" xmlns="" xmlns:p14="http://schemas.microsoft.com/office/powerpoint/2010/main" id="{582B34FC-FED6-4B35-B336-2C001BF70FEA}"/>
                   </a:ext>
                 </a:extLst>
               </p:cNvPr>
@@ -3375,8 +3379,8 @@
           </p:pic>
         </mc:Fallback>
       </mc:AlternateContent>
-      <mc:AlternateContent xmlns:mc="http://schemas.openxmlformats.org/markup-compatibility/2006" xmlns:p14="http://schemas.microsoft.com/office/powerpoint/2010/main">
-        <mc:Choice Requires="p14">
+      <mc:AlternateContent xmlns:mc="http://schemas.openxmlformats.org/markup-compatibility/2006">
+        <mc:Choice xmlns:p14="http://schemas.microsoft.com/office/powerpoint/2010/main" xmlns="" Requires="p14">
           <p:contentPart p14:bwMode="auto" r:id="rId9">
             <p14:nvContentPartPr>
               <p14:cNvPr id="11" name="Ink 10">
@@ -3395,13 +3399,13 @@
             </p14:xfrm>
           </p:contentPart>
         </mc:Choice>
-        <mc:Fallback xmlns="">
+        <mc:Fallback>
           <p:pic>
             <p:nvPicPr>
               <p:cNvPr id="11" name="Ink 10">
                 <a:extLst>
                   <a:ext uri="{FF2B5EF4-FFF2-40B4-BE49-F238E27FC236}">
-                    <a16:creationId xmlns:a16="http://schemas.microsoft.com/office/drawing/2014/main" id="{E937588D-ADB8-4462-B727-CA3C34F68C66}"/>
+                    <a16:creationId xmlns:a16="http://schemas.microsoft.com/office/drawing/2014/main" xmlns="" xmlns:p14="http://schemas.microsoft.com/office/powerpoint/2010/main" id="{E937588D-ADB8-4462-B727-CA3C34F68C66}"/>
                   </a:ext>
                 </a:extLst>
               </p:cNvPr>
@@ -3426,8 +3430,8 @@
           </p:pic>
         </mc:Fallback>
       </mc:AlternateContent>
-      <mc:AlternateContent xmlns:mc="http://schemas.openxmlformats.org/markup-compatibility/2006" xmlns:p14="http://schemas.microsoft.com/office/powerpoint/2010/main">
-        <mc:Choice Requires="p14">
+      <mc:AlternateContent xmlns:mc="http://schemas.openxmlformats.org/markup-compatibility/2006">
+        <mc:Choice xmlns:p14="http://schemas.microsoft.com/office/powerpoint/2010/main" xmlns="" Requires="p14">
           <p:contentPart p14:bwMode="auto" r:id="rId10">
             <p14:nvContentPartPr>
               <p14:cNvPr id="12" name="Ink 11">
@@ -3446,13 +3450,13 @@
             </p14:xfrm>
           </p:contentPart>
         </mc:Choice>
-        <mc:Fallback xmlns="">
+        <mc:Fallback>
           <p:pic>
             <p:nvPicPr>
               <p:cNvPr id="12" name="Ink 11">
                 <a:extLst>
                   <a:ext uri="{FF2B5EF4-FFF2-40B4-BE49-F238E27FC236}">
-                    <a16:creationId xmlns:a16="http://schemas.microsoft.com/office/drawing/2014/main" id="{30649580-583C-4B6A-9755-80D062662B47}"/>
+                    <a16:creationId xmlns:a16="http://schemas.microsoft.com/office/drawing/2014/main" xmlns="" xmlns:p14="http://schemas.microsoft.com/office/powerpoint/2010/main" id="{30649580-583C-4B6A-9755-80D062662B47}"/>
                   </a:ext>
                 </a:extLst>
               </p:cNvPr>
@@ -3477,8 +3481,8 @@
           </p:pic>
         </mc:Fallback>
       </mc:AlternateContent>
-      <mc:AlternateContent xmlns:mc="http://schemas.openxmlformats.org/markup-compatibility/2006" xmlns:p14="http://schemas.microsoft.com/office/powerpoint/2010/main">
-        <mc:Choice Requires="p14">
+      <mc:AlternateContent xmlns:mc="http://schemas.openxmlformats.org/markup-compatibility/2006">
+        <mc:Choice xmlns:p14="http://schemas.microsoft.com/office/powerpoint/2010/main" xmlns="" Requires="p14">
           <p:contentPart p14:bwMode="auto" r:id="rId11">
             <p14:nvContentPartPr>
               <p14:cNvPr id="13" name="Ink 12">
@@ -3497,13 +3501,13 @@
             </p14:xfrm>
           </p:contentPart>
         </mc:Choice>
-        <mc:Fallback xmlns="">
+        <mc:Fallback>
           <p:pic>
             <p:nvPicPr>
               <p:cNvPr id="13" name="Ink 12">
                 <a:extLst>
                   <a:ext uri="{FF2B5EF4-FFF2-40B4-BE49-F238E27FC236}">
-                    <a16:creationId xmlns:a16="http://schemas.microsoft.com/office/drawing/2014/main" id="{C563E662-A115-4BA9-A520-DAB1F8FFDBA4}"/>
+                    <a16:creationId xmlns:a16="http://schemas.microsoft.com/office/drawing/2014/main" xmlns="" xmlns:p14="http://schemas.microsoft.com/office/powerpoint/2010/main" id="{C563E662-A115-4BA9-A520-DAB1F8FFDBA4}"/>
                   </a:ext>
                 </a:extLst>
               </p:cNvPr>
@@ -3531,7 +3535,7 @@
     </p:spTree>
     <p:extLst>
       <p:ext uri="{BB962C8B-B14F-4D97-AF65-F5344CB8AC3E}">
-        <p14:creationId xmlns:p14="http://schemas.microsoft.com/office/powerpoint/2010/main" val="2871343567"/>
+        <p14:creationId xmlns:p14="http://schemas.microsoft.com/office/powerpoint/2010/main" xmlns="" val="2871343567"/>
       </p:ext>
     </p:extLst>
   </p:cSld>
@@ -3830,7 +3834,7 @@
     </p:spTree>
     <p:extLst>
       <p:ext uri="{BB962C8B-B14F-4D97-AF65-F5344CB8AC3E}">
-        <p14:creationId xmlns:p14="http://schemas.microsoft.com/office/powerpoint/2010/main" val="222735022"/>
+        <p14:creationId xmlns:p14="http://schemas.microsoft.com/office/powerpoint/2010/main" xmlns="" val="222735022"/>
       </p:ext>
     </p:extLst>
   </p:cSld>
@@ -3882,7 +3886,7 @@
     </p:spTree>
     <p:extLst>
       <p:ext uri="{BB962C8B-B14F-4D97-AF65-F5344CB8AC3E}">
-        <p14:creationId xmlns:p14="http://schemas.microsoft.com/office/powerpoint/2010/main" val="793464503"/>
+        <p14:creationId xmlns:p14="http://schemas.microsoft.com/office/powerpoint/2010/main" xmlns="" val="793464503"/>
       </p:ext>
     </p:extLst>
   </p:cSld>
@@ -3954,7 +3958,7 @@
           <p:cNvPr id="6" name="Picture 5">
             <a:extLst>
               <a:ext uri="{FF2B5EF4-FFF2-40B4-BE49-F238E27FC236}">
-                <a16:creationId xmlns:a16="http://schemas.microsoft.com/office/drawing/2014/main" id="{50C0E56E-6DF9-1A4A-B8B3-5CCE0E34EE69}"/>
+                <a16:creationId xmlns:a16="http://schemas.microsoft.com/office/drawing/2014/main" xmlns="" id="{50C0E56E-6DF9-1A4A-B8B3-5CCE0E34EE69}"/>
               </a:ext>
             </a:extLst>
           </p:cNvPr>
@@ -3984,7 +3988,7 @@
           <p:cNvPr id="7" name="Picture 6">
             <a:extLst>
               <a:ext uri="{FF2B5EF4-FFF2-40B4-BE49-F238E27FC236}">
-                <a16:creationId xmlns:a16="http://schemas.microsoft.com/office/drawing/2014/main" id="{11F93DCE-FA02-D440-9E07-8488A5BEFD87}"/>
+                <a16:creationId xmlns:a16="http://schemas.microsoft.com/office/drawing/2014/main" xmlns="" id="{11F93DCE-FA02-D440-9E07-8488A5BEFD87}"/>
               </a:ext>
             </a:extLst>
           </p:cNvPr>
@@ -4012,7 +4016,7 @@
     </p:spTree>
     <p:extLst>
       <p:ext uri="{BB962C8B-B14F-4D97-AF65-F5344CB8AC3E}">
-        <p14:creationId xmlns:p14="http://schemas.microsoft.com/office/powerpoint/2010/main" val="1173270772"/>
+        <p14:creationId xmlns:p14="http://schemas.microsoft.com/office/powerpoint/2010/main" xmlns="" val="1173270772"/>
       </p:ext>
     </p:extLst>
   </p:cSld>
@@ -4044,7 +4048,7 @@
           <p:cNvPr id="5" name="Picture 4">
             <a:extLst>
               <a:ext uri="{FF2B5EF4-FFF2-40B4-BE49-F238E27FC236}">
-                <a16:creationId xmlns:a16="http://schemas.microsoft.com/office/drawing/2014/main" id="{D8CFCBCB-1D32-9741-B77A-1BFE02DB6010}"/>
+                <a16:creationId xmlns:a16="http://schemas.microsoft.com/office/drawing/2014/main" xmlns="" id="{D8CFCBCB-1D32-9741-B77A-1BFE02DB6010}"/>
               </a:ext>
             </a:extLst>
           </p:cNvPr>
@@ -4074,7 +4078,7 @@
           <p:cNvPr id="6" name="Picture 5">
             <a:extLst>
               <a:ext uri="{FF2B5EF4-FFF2-40B4-BE49-F238E27FC236}">
-                <a16:creationId xmlns:a16="http://schemas.microsoft.com/office/drawing/2014/main" id="{8506E48A-1141-0A4A-92F9-E51452A18046}"/>
+                <a16:creationId xmlns:a16="http://schemas.microsoft.com/office/drawing/2014/main" xmlns="" id="{8506E48A-1141-0A4A-92F9-E51452A18046}"/>
               </a:ext>
             </a:extLst>
           </p:cNvPr>
@@ -4102,7 +4106,7 @@
     </p:spTree>
     <p:extLst>
       <p:ext uri="{BB962C8B-B14F-4D97-AF65-F5344CB8AC3E}">
-        <p14:creationId xmlns:p14="http://schemas.microsoft.com/office/powerpoint/2010/main" val="2396091957"/>
+        <p14:creationId xmlns:p14="http://schemas.microsoft.com/office/powerpoint/2010/main" xmlns="" val="2396091957"/>
       </p:ext>
     </p:extLst>
   </p:cSld>
@@ -4324,7 +4328,7 @@
     </p:spTree>
     <p:extLst>
       <p:ext uri="{BB962C8B-B14F-4D97-AF65-F5344CB8AC3E}">
-        <p14:creationId xmlns:p14="http://schemas.microsoft.com/office/powerpoint/2010/main" val="1186066493"/>
+        <p14:creationId xmlns:p14="http://schemas.microsoft.com/office/powerpoint/2010/main" xmlns="" val="1186066493"/>
       </p:ext>
     </p:extLst>
   </p:cSld>
@@ -4458,7 +4462,7 @@
           <p:cNvPr id="7" name="Picture 6">
             <a:extLst>
               <a:ext uri="{FF2B5EF4-FFF2-40B4-BE49-F238E27FC236}">
-                <a16:creationId xmlns:a16="http://schemas.microsoft.com/office/drawing/2014/main" id="{20C61547-18BE-8345-B662-68E923DBE5F1}"/>
+                <a16:creationId xmlns:a16="http://schemas.microsoft.com/office/drawing/2014/main" xmlns="" id="{20C61547-18BE-8345-B662-68E923DBE5F1}"/>
               </a:ext>
             </a:extLst>
           </p:cNvPr>
@@ -4488,7 +4492,7 @@
           <p:cNvPr id="8" name="Picture 7">
             <a:extLst>
               <a:ext uri="{FF2B5EF4-FFF2-40B4-BE49-F238E27FC236}">
-                <a16:creationId xmlns:a16="http://schemas.microsoft.com/office/drawing/2014/main" id="{A58A02AB-648A-1143-A78D-9F86334C2B64}"/>
+                <a16:creationId xmlns:a16="http://schemas.microsoft.com/office/drawing/2014/main" xmlns="" id="{A58A02AB-648A-1143-A78D-9F86334C2B64}"/>
               </a:ext>
             </a:extLst>
           </p:cNvPr>
@@ -4518,7 +4522,7 @@
           <p:cNvPr id="4" name="Picture 3">
             <a:extLst>
               <a:ext uri="{FF2B5EF4-FFF2-40B4-BE49-F238E27FC236}">
-                <a16:creationId xmlns:a16="http://schemas.microsoft.com/office/drawing/2014/main" id="{4A2884DB-FE2D-4B0A-B81D-5D9FAF9C5FA4}"/>
+                <a16:creationId xmlns:a16="http://schemas.microsoft.com/office/drawing/2014/main" xmlns="" id="{4A2884DB-FE2D-4B0A-B81D-5D9FAF9C5FA4}"/>
               </a:ext>
             </a:extLst>
           </p:cNvPr>
@@ -4532,7 +4536,7 @@
             <a:alphaModFix amt="3000"/>
             <a:extLst>
               <a:ext uri="{28A0092B-C50C-407E-A947-70E740481C1C}">
-                <a14:useLocalDpi xmlns:a14="http://schemas.microsoft.com/office/drawing/2010/main" val="0"/>
+                <a14:useLocalDpi xmlns:a14="http://schemas.microsoft.com/office/drawing/2010/main" xmlns="" val="0"/>
               </a:ext>
             </a:extLst>
           </a:blip>
@@ -4553,7 +4557,7 @@
     </p:spTree>
     <p:extLst>
       <p:ext uri="{BB962C8B-B14F-4D97-AF65-F5344CB8AC3E}">
-        <p14:creationId xmlns:p14="http://schemas.microsoft.com/office/powerpoint/2010/main" val="1270442930"/>
+        <p14:creationId xmlns:p14="http://schemas.microsoft.com/office/powerpoint/2010/main" xmlns="" val="1270442930"/>
       </p:ext>
     </p:extLst>
   </p:cSld>
@@ -4878,7 +4882,7 @@
           <p:cNvPr id="2" name="Title 1">
             <a:extLst>
               <a:ext uri="{FF2B5EF4-FFF2-40B4-BE49-F238E27FC236}">
-                <a16:creationId xmlns:a16="http://schemas.microsoft.com/office/drawing/2014/main" id="{2FE973FE-1F8B-4DED-8DC0-71E987678976}"/>
+                <a16:creationId xmlns:a16="http://schemas.microsoft.com/office/drawing/2014/main" xmlns="" id="{2FE973FE-1F8B-4DED-8DC0-71E987678976}"/>
               </a:ext>
             </a:extLst>
           </p:cNvPr>
@@ -4897,7 +4901,7 @@
         </p:spPr>
         <p:txBody>
           <a:bodyPr anchor="ctr">
-            <a:normAutofit fontScale="90000"/>
+            <a:normAutofit/>
           </a:bodyPr>
           <a:lstStyle/>
           <a:p>
@@ -4923,7 +4927,7 @@
           <p:cNvPr id="4" name="Picture 3">
             <a:extLst>
               <a:ext uri="{FF2B5EF4-FFF2-40B4-BE49-F238E27FC236}">
-                <a16:creationId xmlns:a16="http://schemas.microsoft.com/office/drawing/2014/main" id="{472BA16E-D1FA-4491-9564-DD4BCFEACAD2}"/>
+                <a16:creationId xmlns:a16="http://schemas.microsoft.com/office/drawing/2014/main" xmlns="" id="{472BA16E-D1FA-4491-9564-DD4BCFEACAD2}"/>
               </a:ext>
             </a:extLst>
           </p:cNvPr>
@@ -4954,7 +4958,7 @@
           <p:cNvPr id="3" name="Subtitle 2">
             <a:extLst>
               <a:ext uri="{FF2B5EF4-FFF2-40B4-BE49-F238E27FC236}">
-                <a16:creationId xmlns:a16="http://schemas.microsoft.com/office/drawing/2014/main" id="{93383873-F31C-4E31-B4BA-B40D502705CE}"/>
+                <a16:creationId xmlns:a16="http://schemas.microsoft.com/office/drawing/2014/main" xmlns="" id="{93383873-F31C-4E31-B4BA-B40D502705CE}"/>
               </a:ext>
             </a:extLst>
           </p:cNvPr>
@@ -4973,7 +4977,7 @@
         </p:spPr>
         <p:txBody>
           <a:bodyPr>
-            <a:normAutofit/>
+            <a:normAutofit lnSpcReduction="10000"/>
           </a:bodyPr>
           <a:lstStyle/>
           <a:p>
@@ -4996,8 +5000,8 @@
           </a:p>
         </p:txBody>
       </p:sp>
-      <mc:AlternateContent xmlns:mc="http://schemas.openxmlformats.org/markup-compatibility/2006" xmlns:p14="http://schemas.microsoft.com/office/powerpoint/2010/main">
-        <mc:Choice Requires="p14">
+      <mc:AlternateContent xmlns:mc="http://schemas.openxmlformats.org/markup-compatibility/2006">
+        <mc:Choice xmlns:p14="http://schemas.microsoft.com/office/powerpoint/2010/main" xmlns="" Requires="p14">
           <p:contentPart p14:bwMode="auto" r:id="rId5">
             <p14:nvContentPartPr>
               <p14:cNvPr id="6" name="Ink 5">
@@ -5016,13 +5020,13 @@
             </p14:xfrm>
           </p:contentPart>
         </mc:Choice>
-        <mc:Fallback xmlns="">
+        <mc:Fallback>
           <p:pic>
             <p:nvPicPr>
               <p:cNvPr id="6" name="Ink 5">
                 <a:extLst>
                   <a:ext uri="{FF2B5EF4-FFF2-40B4-BE49-F238E27FC236}">
-                    <a16:creationId xmlns:a16="http://schemas.microsoft.com/office/drawing/2014/main" id="{BB9E41AB-16C2-481D-B8C5-779DDB04601D}"/>
+                    <a16:creationId xmlns:a16="http://schemas.microsoft.com/office/drawing/2014/main" xmlns="" xmlns:p14="http://schemas.microsoft.com/office/powerpoint/2010/main" id="{BB9E41AB-16C2-481D-B8C5-779DDB04601D}"/>
                   </a:ext>
                 </a:extLst>
               </p:cNvPr>
@@ -5047,8 +5051,8 @@
           </p:pic>
         </mc:Fallback>
       </mc:AlternateContent>
-      <mc:AlternateContent xmlns:mc="http://schemas.openxmlformats.org/markup-compatibility/2006" xmlns:p14="http://schemas.microsoft.com/office/powerpoint/2010/main">
-        <mc:Choice Requires="p14">
+      <mc:AlternateContent xmlns:mc="http://schemas.openxmlformats.org/markup-compatibility/2006">
+        <mc:Choice xmlns:p14="http://schemas.microsoft.com/office/powerpoint/2010/main" xmlns="" Requires="p14">
           <p:contentPart p14:bwMode="auto" r:id="rId7">
             <p14:nvContentPartPr>
               <p14:cNvPr id="7" name="Ink 6">
@@ -5067,13 +5071,13 @@
             </p14:xfrm>
           </p:contentPart>
         </mc:Choice>
-        <mc:Fallback xmlns="">
+        <mc:Fallback>
           <p:pic>
             <p:nvPicPr>
               <p:cNvPr id="7" name="Ink 6">
                 <a:extLst>
                   <a:ext uri="{FF2B5EF4-FFF2-40B4-BE49-F238E27FC236}">
-                    <a16:creationId xmlns:a16="http://schemas.microsoft.com/office/drawing/2014/main" id="{90DC8B94-332B-48F1-BD44-5D8DC140F977}"/>
+                    <a16:creationId xmlns:a16="http://schemas.microsoft.com/office/drawing/2014/main" xmlns="" xmlns:p14="http://schemas.microsoft.com/office/powerpoint/2010/main" id="{90DC8B94-332B-48F1-BD44-5D8DC140F977}"/>
                   </a:ext>
                 </a:extLst>
               </p:cNvPr>
@@ -5098,8 +5102,8 @@
           </p:pic>
         </mc:Fallback>
       </mc:AlternateContent>
-      <mc:AlternateContent xmlns:mc="http://schemas.openxmlformats.org/markup-compatibility/2006" xmlns:p14="http://schemas.microsoft.com/office/powerpoint/2010/main">
-        <mc:Choice Requires="p14">
+      <mc:AlternateContent xmlns:mc="http://schemas.openxmlformats.org/markup-compatibility/2006">
+        <mc:Choice xmlns:p14="http://schemas.microsoft.com/office/powerpoint/2010/main" xmlns="" Requires="p14">
           <p:contentPart p14:bwMode="auto" r:id="rId9">
             <p14:nvContentPartPr>
               <p14:cNvPr id="8" name="Ink 7">
@@ -5118,13 +5122,13 @@
             </p14:xfrm>
           </p:contentPart>
         </mc:Choice>
-        <mc:Fallback xmlns="">
+        <mc:Fallback>
           <p:pic>
             <p:nvPicPr>
               <p:cNvPr id="8" name="Ink 7">
                 <a:extLst>
                   <a:ext uri="{FF2B5EF4-FFF2-40B4-BE49-F238E27FC236}">
-                    <a16:creationId xmlns:a16="http://schemas.microsoft.com/office/drawing/2014/main" id="{E975E1FA-D9DC-4E9B-96CB-AF4B208FDD0D}"/>
+                    <a16:creationId xmlns:a16="http://schemas.microsoft.com/office/drawing/2014/main" xmlns="" xmlns:p14="http://schemas.microsoft.com/office/powerpoint/2010/main" id="{E975E1FA-D9DC-4E9B-96CB-AF4B208FDD0D}"/>
                   </a:ext>
                 </a:extLst>
               </p:cNvPr>
@@ -5149,8 +5153,8 @@
           </p:pic>
         </mc:Fallback>
       </mc:AlternateContent>
-      <mc:AlternateContent xmlns:mc="http://schemas.openxmlformats.org/markup-compatibility/2006" xmlns:p14="http://schemas.microsoft.com/office/powerpoint/2010/main">
-        <mc:Choice Requires="p14">
+      <mc:AlternateContent xmlns:mc="http://schemas.openxmlformats.org/markup-compatibility/2006">
+        <mc:Choice xmlns:p14="http://schemas.microsoft.com/office/powerpoint/2010/main" xmlns="" Requires="p14">
           <p:contentPart p14:bwMode="auto" r:id="rId10">
             <p14:nvContentPartPr>
               <p14:cNvPr id="9" name="Ink 8">
@@ -5169,13 +5173,13 @@
             </p14:xfrm>
           </p:contentPart>
         </mc:Choice>
-        <mc:Fallback xmlns="">
+        <mc:Fallback>
           <p:pic>
             <p:nvPicPr>
               <p:cNvPr id="9" name="Ink 8">
                 <a:extLst>
                   <a:ext uri="{FF2B5EF4-FFF2-40B4-BE49-F238E27FC236}">
-                    <a16:creationId xmlns:a16="http://schemas.microsoft.com/office/drawing/2014/main" id="{454E5C77-5960-45F2-A8F4-437BBCEB11F6}"/>
+                    <a16:creationId xmlns:a16="http://schemas.microsoft.com/office/drawing/2014/main" xmlns="" xmlns:p14="http://schemas.microsoft.com/office/powerpoint/2010/main" id="{454E5C77-5960-45F2-A8F4-437BBCEB11F6}"/>
                   </a:ext>
                 </a:extLst>
               </p:cNvPr>
@@ -5200,8 +5204,8 @@
           </p:pic>
         </mc:Fallback>
       </mc:AlternateContent>
-      <mc:AlternateContent xmlns:mc="http://schemas.openxmlformats.org/markup-compatibility/2006" xmlns:p14="http://schemas.microsoft.com/office/powerpoint/2010/main">
-        <mc:Choice Requires="p14">
+      <mc:AlternateContent xmlns:mc="http://schemas.openxmlformats.org/markup-compatibility/2006">
+        <mc:Choice xmlns:p14="http://schemas.microsoft.com/office/powerpoint/2010/main" xmlns="" Requires="p14">
           <p:contentPart p14:bwMode="auto" r:id="rId11">
             <p14:nvContentPartPr>
               <p14:cNvPr id="10" name="Ink 9">
@@ -5220,13 +5224,13 @@
             </p14:xfrm>
           </p:contentPart>
         </mc:Choice>
-        <mc:Fallback xmlns="">
+        <mc:Fallback>
           <p:pic>
             <p:nvPicPr>
               <p:cNvPr id="10" name="Ink 9">
                 <a:extLst>
                   <a:ext uri="{FF2B5EF4-FFF2-40B4-BE49-F238E27FC236}">
-                    <a16:creationId xmlns:a16="http://schemas.microsoft.com/office/drawing/2014/main" id="{0599CA86-0AA4-43B0-9BD8-C408990EDF1F}"/>
+                    <a16:creationId xmlns:a16="http://schemas.microsoft.com/office/drawing/2014/main" xmlns="" xmlns:p14="http://schemas.microsoft.com/office/powerpoint/2010/main" id="{0599CA86-0AA4-43B0-9BD8-C408990EDF1F}"/>
                   </a:ext>
                 </a:extLst>
               </p:cNvPr>
@@ -5251,8 +5255,8 @@
           </p:pic>
         </mc:Fallback>
       </mc:AlternateContent>
-      <mc:AlternateContent xmlns:mc="http://schemas.openxmlformats.org/markup-compatibility/2006" xmlns:p14="http://schemas.microsoft.com/office/powerpoint/2010/main">
-        <mc:Choice Requires="p14">
+      <mc:AlternateContent xmlns:mc="http://schemas.openxmlformats.org/markup-compatibility/2006">
+        <mc:Choice xmlns:p14="http://schemas.microsoft.com/office/powerpoint/2010/main" xmlns="" Requires="p14">
           <p:contentPart p14:bwMode="auto" r:id="rId12">
             <p14:nvContentPartPr>
               <p14:cNvPr id="13" name="Ink 12">
@@ -5271,13 +5275,13 @@
             </p14:xfrm>
           </p:contentPart>
         </mc:Choice>
-        <mc:Fallback xmlns="">
+        <mc:Fallback>
           <p:pic>
             <p:nvPicPr>
               <p:cNvPr id="13" name="Ink 12">
                 <a:extLst>
                   <a:ext uri="{FF2B5EF4-FFF2-40B4-BE49-F238E27FC236}">
-                    <a16:creationId xmlns:a16="http://schemas.microsoft.com/office/drawing/2014/main" id="{F01B0B0D-23C0-406D-81B1-53560BEA6080}"/>
+                    <a16:creationId xmlns:a16="http://schemas.microsoft.com/office/drawing/2014/main" xmlns="" xmlns:p14="http://schemas.microsoft.com/office/powerpoint/2010/main" id="{F01B0B0D-23C0-406D-81B1-53560BEA6080}"/>
                   </a:ext>
                 </a:extLst>
               </p:cNvPr>
@@ -5285,7 +5289,7 @@
               <p:nvPr/>
             </p:nvPicPr>
             <p:blipFill>
-              <a:blip r:embed="rId16"/>
+              <a:blip r:embed="rId13"/>
               <a:stretch>
                 <a:fillRect/>
               </a:stretch>
@@ -5302,8 +5306,8 @@
           </p:pic>
         </mc:Fallback>
       </mc:AlternateContent>
-      <mc:AlternateContent xmlns:mc="http://schemas.openxmlformats.org/markup-compatibility/2006" xmlns:p14="http://schemas.microsoft.com/office/powerpoint/2010/main">
-        <mc:Choice Requires="p14">
+      <mc:AlternateContent xmlns:mc="http://schemas.openxmlformats.org/markup-compatibility/2006">
+        <mc:Choice xmlns:p14="http://schemas.microsoft.com/office/powerpoint/2010/main" xmlns="" Requires="p14">
           <p:contentPart p14:bwMode="auto" r:id="rId17">
             <p14:nvContentPartPr>
               <p14:cNvPr id="14" name="Ink 13">
@@ -5322,13 +5326,13 @@
             </p14:xfrm>
           </p:contentPart>
         </mc:Choice>
-        <mc:Fallback xmlns="">
+        <mc:Fallback>
           <p:pic>
             <p:nvPicPr>
               <p:cNvPr id="14" name="Ink 13">
                 <a:extLst>
                   <a:ext uri="{FF2B5EF4-FFF2-40B4-BE49-F238E27FC236}">
-                    <a16:creationId xmlns:a16="http://schemas.microsoft.com/office/drawing/2014/main" id="{0E36B71F-8617-4B05-A565-CA68910B66AF}"/>
+                    <a16:creationId xmlns:a16="http://schemas.microsoft.com/office/drawing/2014/main" xmlns="" xmlns:p14="http://schemas.microsoft.com/office/powerpoint/2010/main" id="{0E36B71F-8617-4B05-A565-CA68910B66AF}"/>
                   </a:ext>
                 </a:extLst>
               </p:cNvPr>
@@ -5353,8 +5357,8 @@
           </p:pic>
         </mc:Fallback>
       </mc:AlternateContent>
-      <mc:AlternateContent xmlns:mc="http://schemas.openxmlformats.org/markup-compatibility/2006" xmlns:p14="http://schemas.microsoft.com/office/powerpoint/2010/main">
-        <mc:Choice Requires="p14">
+      <mc:AlternateContent xmlns:mc="http://schemas.openxmlformats.org/markup-compatibility/2006">
+        <mc:Choice xmlns:p14="http://schemas.microsoft.com/office/powerpoint/2010/main" xmlns="" Requires="p14">
           <p:contentPart p14:bwMode="auto" r:id="rId19">
             <p14:nvContentPartPr>
               <p14:cNvPr id="15" name="Ink 14">
@@ -5373,13 +5377,13 @@
             </p14:xfrm>
           </p:contentPart>
         </mc:Choice>
-        <mc:Fallback xmlns="">
+        <mc:Fallback>
           <p:pic>
             <p:nvPicPr>
               <p:cNvPr id="15" name="Ink 14">
                 <a:extLst>
                   <a:ext uri="{FF2B5EF4-FFF2-40B4-BE49-F238E27FC236}">
-                    <a16:creationId xmlns:a16="http://schemas.microsoft.com/office/drawing/2014/main" id="{C3E9255F-D54C-4938-861C-0719B95285A6}"/>
+                    <a16:creationId xmlns:a16="http://schemas.microsoft.com/office/drawing/2014/main" xmlns="" xmlns:p14="http://schemas.microsoft.com/office/powerpoint/2010/main" id="{C3E9255F-D54C-4938-861C-0719B95285A6}"/>
                   </a:ext>
                 </a:extLst>
               </p:cNvPr>
@@ -5404,8 +5408,8 @@
           </p:pic>
         </mc:Fallback>
       </mc:AlternateContent>
-      <mc:AlternateContent xmlns:mc="http://schemas.openxmlformats.org/markup-compatibility/2006" xmlns:p14="http://schemas.microsoft.com/office/powerpoint/2010/main">
-        <mc:Choice Requires="p14">
+      <mc:AlternateContent xmlns:mc="http://schemas.openxmlformats.org/markup-compatibility/2006">
+        <mc:Choice xmlns:p14="http://schemas.microsoft.com/office/powerpoint/2010/main" xmlns="" Requires="p14">
           <p:contentPart p14:bwMode="auto" r:id="rId20">
             <p14:nvContentPartPr>
               <p14:cNvPr id="16" name="Ink 15">
@@ -5424,13 +5428,13 @@
             </p14:xfrm>
           </p:contentPart>
         </mc:Choice>
-        <mc:Fallback xmlns="">
+        <mc:Fallback>
           <p:pic>
             <p:nvPicPr>
               <p:cNvPr id="16" name="Ink 15">
                 <a:extLst>
                   <a:ext uri="{FF2B5EF4-FFF2-40B4-BE49-F238E27FC236}">
-                    <a16:creationId xmlns:a16="http://schemas.microsoft.com/office/drawing/2014/main" id="{63A7B024-B577-4CAE-BEB0-A6669B501358}"/>
+                    <a16:creationId xmlns:a16="http://schemas.microsoft.com/office/drawing/2014/main" xmlns="" xmlns:p14="http://schemas.microsoft.com/office/powerpoint/2010/main" id="{63A7B024-B577-4CAE-BEB0-A6669B501358}"/>
                   </a:ext>
                 </a:extLst>
               </p:cNvPr>
@@ -5455,8 +5459,8 @@
           </p:pic>
         </mc:Fallback>
       </mc:AlternateContent>
-      <mc:AlternateContent xmlns:mc="http://schemas.openxmlformats.org/markup-compatibility/2006" xmlns:p14="http://schemas.microsoft.com/office/powerpoint/2010/main">
-        <mc:Choice Requires="p14">
+      <mc:AlternateContent xmlns:mc="http://schemas.openxmlformats.org/markup-compatibility/2006">
+        <mc:Choice xmlns:p14="http://schemas.microsoft.com/office/powerpoint/2010/main" xmlns="" Requires="p14">
           <p:contentPart p14:bwMode="auto" r:id="rId22">
             <p14:nvContentPartPr>
               <p14:cNvPr id="17" name="Ink 16">
@@ -5475,13 +5479,13 @@
             </p14:xfrm>
           </p:contentPart>
         </mc:Choice>
-        <mc:Fallback xmlns="">
+        <mc:Fallback>
           <p:pic>
             <p:nvPicPr>
               <p:cNvPr id="17" name="Ink 16">
                 <a:extLst>
                   <a:ext uri="{FF2B5EF4-FFF2-40B4-BE49-F238E27FC236}">
-                    <a16:creationId xmlns:a16="http://schemas.microsoft.com/office/drawing/2014/main" id="{E0A5D064-5764-4BC6-889A-E61EBBCB274B}"/>
+                    <a16:creationId xmlns:a16="http://schemas.microsoft.com/office/drawing/2014/main" xmlns="" xmlns:p14="http://schemas.microsoft.com/office/powerpoint/2010/main" id="{E0A5D064-5764-4BC6-889A-E61EBBCB274B}"/>
                   </a:ext>
                 </a:extLst>
               </p:cNvPr>
@@ -5506,8 +5510,8 @@
           </p:pic>
         </mc:Fallback>
       </mc:AlternateContent>
-      <mc:AlternateContent xmlns:mc="http://schemas.openxmlformats.org/markup-compatibility/2006" xmlns:p14="http://schemas.microsoft.com/office/powerpoint/2010/main">
-        <mc:Choice Requires="p14">
+      <mc:AlternateContent xmlns:mc="http://schemas.openxmlformats.org/markup-compatibility/2006">
+        <mc:Choice xmlns:p14="http://schemas.microsoft.com/office/powerpoint/2010/main" xmlns="" Requires="p14">
           <p:contentPart p14:bwMode="auto" r:id="rId23">
             <p14:nvContentPartPr>
               <p14:cNvPr id="18" name="Ink 17">
@@ -5526,13 +5530,13 @@
             </p14:xfrm>
           </p:contentPart>
         </mc:Choice>
-        <mc:Fallback xmlns="">
+        <mc:Fallback>
           <p:pic>
             <p:nvPicPr>
               <p:cNvPr id="18" name="Ink 17">
                 <a:extLst>
                   <a:ext uri="{FF2B5EF4-FFF2-40B4-BE49-F238E27FC236}">
-                    <a16:creationId xmlns:a16="http://schemas.microsoft.com/office/drawing/2014/main" id="{2CB02C25-2F1E-43D4-A77C-3F295035E347}"/>
+                    <a16:creationId xmlns:a16="http://schemas.microsoft.com/office/drawing/2014/main" xmlns="" xmlns:p14="http://schemas.microsoft.com/office/powerpoint/2010/main" id="{2CB02C25-2F1E-43D4-A77C-3F295035E347}"/>
                   </a:ext>
                 </a:extLst>
               </p:cNvPr>
@@ -5557,8 +5561,8 @@
           </p:pic>
         </mc:Fallback>
       </mc:AlternateContent>
-      <mc:AlternateContent xmlns:mc="http://schemas.openxmlformats.org/markup-compatibility/2006" xmlns:p14="http://schemas.microsoft.com/office/powerpoint/2010/main">
-        <mc:Choice Requires="p14">
+      <mc:AlternateContent xmlns:mc="http://schemas.openxmlformats.org/markup-compatibility/2006">
+        <mc:Choice xmlns:p14="http://schemas.microsoft.com/office/powerpoint/2010/main" xmlns="" Requires="p14">
           <p:contentPart p14:bwMode="auto" r:id="rId24">
             <p14:nvContentPartPr>
               <p14:cNvPr id="19" name="Ink 18">
@@ -5577,13 +5581,13 @@
             </p14:xfrm>
           </p:contentPart>
         </mc:Choice>
-        <mc:Fallback xmlns="">
+        <mc:Fallback>
           <p:pic>
             <p:nvPicPr>
               <p:cNvPr id="19" name="Ink 18">
                 <a:extLst>
                   <a:ext uri="{FF2B5EF4-FFF2-40B4-BE49-F238E27FC236}">
-                    <a16:creationId xmlns:a16="http://schemas.microsoft.com/office/drawing/2014/main" id="{4BA54EC1-BC0A-44CE-B6F6-610C5C43FEAF}"/>
+                    <a16:creationId xmlns:a16="http://schemas.microsoft.com/office/drawing/2014/main" xmlns="" xmlns:p14="http://schemas.microsoft.com/office/powerpoint/2010/main" id="{4BA54EC1-BC0A-44CE-B6F6-610C5C43FEAF}"/>
                   </a:ext>
                 </a:extLst>
               </p:cNvPr>
@@ -5608,8 +5612,8 @@
           </p:pic>
         </mc:Fallback>
       </mc:AlternateContent>
-      <mc:AlternateContent xmlns:mc="http://schemas.openxmlformats.org/markup-compatibility/2006" xmlns:p14="http://schemas.microsoft.com/office/powerpoint/2010/main">
-        <mc:Choice Requires="p14">
+      <mc:AlternateContent xmlns:mc="http://schemas.openxmlformats.org/markup-compatibility/2006">
+        <mc:Choice xmlns:p14="http://schemas.microsoft.com/office/powerpoint/2010/main" xmlns="" Requires="p14">
           <p:contentPart p14:bwMode="auto" r:id="rId25">
             <p14:nvContentPartPr>
               <p14:cNvPr id="20" name="Ink 19">
@@ -5628,13 +5632,13 @@
             </p14:xfrm>
           </p:contentPart>
         </mc:Choice>
-        <mc:Fallback xmlns="">
+        <mc:Fallback>
           <p:pic>
             <p:nvPicPr>
               <p:cNvPr id="20" name="Ink 19">
                 <a:extLst>
                   <a:ext uri="{FF2B5EF4-FFF2-40B4-BE49-F238E27FC236}">
-                    <a16:creationId xmlns:a16="http://schemas.microsoft.com/office/drawing/2014/main" id="{A047CCDF-AC55-4CA2-8CC2-5DEAB5DBDA79}"/>
+                    <a16:creationId xmlns:a16="http://schemas.microsoft.com/office/drawing/2014/main" xmlns="" xmlns:p14="http://schemas.microsoft.com/office/powerpoint/2010/main" id="{A047CCDF-AC55-4CA2-8CC2-5DEAB5DBDA79}"/>
                   </a:ext>
                 </a:extLst>
               </p:cNvPr>
@@ -5659,8 +5663,8 @@
           </p:pic>
         </mc:Fallback>
       </mc:AlternateContent>
-      <mc:AlternateContent xmlns:mc="http://schemas.openxmlformats.org/markup-compatibility/2006" xmlns:p14="http://schemas.microsoft.com/office/powerpoint/2010/main">
-        <mc:Choice Requires="p14">
+      <mc:AlternateContent xmlns:mc="http://schemas.openxmlformats.org/markup-compatibility/2006">
+        <mc:Choice xmlns:p14="http://schemas.microsoft.com/office/powerpoint/2010/main" xmlns="" Requires="p14">
           <p:contentPart p14:bwMode="auto" r:id="rId26">
             <p14:nvContentPartPr>
               <p14:cNvPr id="21" name="Ink 20">
@@ -5679,13 +5683,13 @@
             </p14:xfrm>
           </p:contentPart>
         </mc:Choice>
-        <mc:Fallback xmlns="">
+        <mc:Fallback>
           <p:pic>
             <p:nvPicPr>
               <p:cNvPr id="21" name="Ink 20">
                 <a:extLst>
                   <a:ext uri="{FF2B5EF4-FFF2-40B4-BE49-F238E27FC236}">
-                    <a16:creationId xmlns:a16="http://schemas.microsoft.com/office/drawing/2014/main" id="{5C113320-A213-4066-90BD-CDA6F321CA37}"/>
+                    <a16:creationId xmlns:a16="http://schemas.microsoft.com/office/drawing/2014/main" xmlns="" xmlns:p14="http://schemas.microsoft.com/office/powerpoint/2010/main" id="{5C113320-A213-4066-90BD-CDA6F321CA37}"/>
                   </a:ext>
                 </a:extLst>
               </p:cNvPr>
@@ -5710,8 +5714,8 @@
           </p:pic>
         </mc:Fallback>
       </mc:AlternateContent>
-      <mc:AlternateContent xmlns:mc="http://schemas.openxmlformats.org/markup-compatibility/2006" xmlns:p14="http://schemas.microsoft.com/office/powerpoint/2010/main">
-        <mc:Choice Requires="p14">
+      <mc:AlternateContent xmlns:mc="http://schemas.openxmlformats.org/markup-compatibility/2006">
+        <mc:Choice xmlns:p14="http://schemas.microsoft.com/office/powerpoint/2010/main" xmlns="" Requires="p14">
           <p:contentPart p14:bwMode="auto" r:id="rId27">
             <p14:nvContentPartPr>
               <p14:cNvPr id="22" name="Ink 21">
@@ -5730,13 +5734,13 @@
             </p14:xfrm>
           </p:contentPart>
         </mc:Choice>
-        <mc:Fallback xmlns="">
+        <mc:Fallback>
           <p:pic>
             <p:nvPicPr>
               <p:cNvPr id="22" name="Ink 21">
                 <a:extLst>
                   <a:ext uri="{FF2B5EF4-FFF2-40B4-BE49-F238E27FC236}">
-                    <a16:creationId xmlns:a16="http://schemas.microsoft.com/office/drawing/2014/main" id="{E393B7F9-52EB-4DF0-9F3C-D38FF4077920}"/>
+                    <a16:creationId xmlns:a16="http://schemas.microsoft.com/office/drawing/2014/main" xmlns="" xmlns:p14="http://schemas.microsoft.com/office/powerpoint/2010/main" id="{E393B7F9-52EB-4DF0-9F3C-D38FF4077920}"/>
                   </a:ext>
                 </a:extLst>
               </p:cNvPr>
@@ -5761,8 +5765,8 @@
           </p:pic>
         </mc:Fallback>
       </mc:AlternateContent>
-      <mc:AlternateContent xmlns:mc="http://schemas.openxmlformats.org/markup-compatibility/2006" xmlns:p14="http://schemas.microsoft.com/office/powerpoint/2010/main">
-        <mc:Choice Requires="p14">
+      <mc:AlternateContent xmlns:mc="http://schemas.openxmlformats.org/markup-compatibility/2006">
+        <mc:Choice xmlns:p14="http://schemas.microsoft.com/office/powerpoint/2010/main" xmlns="" Requires="p14">
           <p:contentPart p14:bwMode="auto" r:id="rId28">
             <p14:nvContentPartPr>
               <p14:cNvPr id="23" name="Ink 22">
@@ -5781,13 +5785,13 @@
             </p14:xfrm>
           </p:contentPart>
         </mc:Choice>
-        <mc:Fallback xmlns="">
+        <mc:Fallback>
           <p:pic>
             <p:nvPicPr>
               <p:cNvPr id="23" name="Ink 22">
                 <a:extLst>
                   <a:ext uri="{FF2B5EF4-FFF2-40B4-BE49-F238E27FC236}">
-                    <a16:creationId xmlns:a16="http://schemas.microsoft.com/office/drawing/2014/main" id="{34B2D232-CEF5-419B-B1A5-8DBEA2B7E54F}"/>
+                    <a16:creationId xmlns:a16="http://schemas.microsoft.com/office/drawing/2014/main" xmlns="" xmlns:p14="http://schemas.microsoft.com/office/powerpoint/2010/main" id="{34B2D232-CEF5-419B-B1A5-8DBEA2B7E54F}"/>
                   </a:ext>
                 </a:extLst>
               </p:cNvPr>
@@ -5812,8 +5816,8 @@
           </p:pic>
         </mc:Fallback>
       </mc:AlternateContent>
-      <mc:AlternateContent xmlns:mc="http://schemas.openxmlformats.org/markup-compatibility/2006" xmlns:p14="http://schemas.microsoft.com/office/powerpoint/2010/main">
-        <mc:Choice Requires="p14">
+      <mc:AlternateContent xmlns:mc="http://schemas.openxmlformats.org/markup-compatibility/2006">
+        <mc:Choice xmlns:p14="http://schemas.microsoft.com/office/powerpoint/2010/main" xmlns="" Requires="p14">
           <p:contentPart p14:bwMode="auto" r:id="rId29">
             <p14:nvContentPartPr>
               <p14:cNvPr id="24" name="Ink 23">
@@ -5832,13 +5836,13 @@
             </p14:xfrm>
           </p:contentPart>
         </mc:Choice>
-        <mc:Fallback xmlns="">
+        <mc:Fallback>
           <p:pic>
             <p:nvPicPr>
               <p:cNvPr id="24" name="Ink 23">
                 <a:extLst>
                   <a:ext uri="{FF2B5EF4-FFF2-40B4-BE49-F238E27FC236}">
-                    <a16:creationId xmlns:a16="http://schemas.microsoft.com/office/drawing/2014/main" id="{362E2CCD-E783-4EB0-A449-D3A45EEDACA1}"/>
+                    <a16:creationId xmlns:a16="http://schemas.microsoft.com/office/drawing/2014/main" xmlns="" xmlns:p14="http://schemas.microsoft.com/office/powerpoint/2010/main" id="{362E2CCD-E783-4EB0-A449-D3A45EEDACA1}"/>
                   </a:ext>
                 </a:extLst>
               </p:cNvPr>
@@ -5863,8 +5867,8 @@
           </p:pic>
         </mc:Fallback>
       </mc:AlternateContent>
-      <mc:AlternateContent xmlns:mc="http://schemas.openxmlformats.org/markup-compatibility/2006" xmlns:p14="http://schemas.microsoft.com/office/powerpoint/2010/main">
-        <mc:Choice Requires="p14">
+      <mc:AlternateContent xmlns:mc="http://schemas.openxmlformats.org/markup-compatibility/2006">
+        <mc:Choice xmlns:p14="http://schemas.microsoft.com/office/powerpoint/2010/main" xmlns="" Requires="p14">
           <p:contentPart p14:bwMode="auto" r:id="rId30">
             <p14:nvContentPartPr>
               <p14:cNvPr id="25" name="Ink 24">
@@ -5883,13 +5887,13 @@
             </p14:xfrm>
           </p:contentPart>
         </mc:Choice>
-        <mc:Fallback xmlns="">
+        <mc:Fallback>
           <p:pic>
             <p:nvPicPr>
               <p:cNvPr id="25" name="Ink 24">
                 <a:extLst>
                   <a:ext uri="{FF2B5EF4-FFF2-40B4-BE49-F238E27FC236}">
-                    <a16:creationId xmlns:a16="http://schemas.microsoft.com/office/drawing/2014/main" id="{3A6B9D4B-B599-4E13-8CD4-9AE1EA05DD38}"/>
+                    <a16:creationId xmlns:a16="http://schemas.microsoft.com/office/drawing/2014/main" xmlns="" xmlns:p14="http://schemas.microsoft.com/office/powerpoint/2010/main" id="{3A6B9D4B-B599-4E13-8CD4-9AE1EA05DD38}"/>
                   </a:ext>
                 </a:extLst>
               </p:cNvPr>
@@ -5914,8 +5918,8 @@
           </p:pic>
         </mc:Fallback>
       </mc:AlternateContent>
-      <mc:AlternateContent xmlns:mc="http://schemas.openxmlformats.org/markup-compatibility/2006" xmlns:p14="http://schemas.microsoft.com/office/powerpoint/2010/main">
-        <mc:Choice Requires="p14">
+      <mc:AlternateContent xmlns:mc="http://schemas.openxmlformats.org/markup-compatibility/2006">
+        <mc:Choice xmlns:p14="http://schemas.microsoft.com/office/powerpoint/2010/main" xmlns="" Requires="p14">
           <p:contentPart p14:bwMode="auto" r:id="rId31">
             <p14:nvContentPartPr>
               <p14:cNvPr id="26" name="Ink 25">
@@ -5934,13 +5938,13 @@
             </p14:xfrm>
           </p:contentPart>
         </mc:Choice>
-        <mc:Fallback xmlns="">
+        <mc:Fallback>
           <p:pic>
             <p:nvPicPr>
               <p:cNvPr id="26" name="Ink 25">
                 <a:extLst>
                   <a:ext uri="{FF2B5EF4-FFF2-40B4-BE49-F238E27FC236}">
-                    <a16:creationId xmlns:a16="http://schemas.microsoft.com/office/drawing/2014/main" id="{915EBC98-2995-4202-8847-0A06CF184801}"/>
+                    <a16:creationId xmlns:a16="http://schemas.microsoft.com/office/drawing/2014/main" xmlns="" xmlns:p14="http://schemas.microsoft.com/office/powerpoint/2010/main" id="{915EBC98-2995-4202-8847-0A06CF184801}"/>
                   </a:ext>
                 </a:extLst>
               </p:cNvPr>
@@ -5965,8 +5969,8 @@
           </p:pic>
         </mc:Fallback>
       </mc:AlternateContent>
-      <mc:AlternateContent xmlns:mc="http://schemas.openxmlformats.org/markup-compatibility/2006" xmlns:p14="http://schemas.microsoft.com/office/powerpoint/2010/main">
-        <mc:Choice Requires="p14">
+      <mc:AlternateContent xmlns:mc="http://schemas.openxmlformats.org/markup-compatibility/2006">
+        <mc:Choice xmlns:p14="http://schemas.microsoft.com/office/powerpoint/2010/main" xmlns="" Requires="p14">
           <p:contentPart p14:bwMode="auto" r:id="rId32">
             <p14:nvContentPartPr>
               <p14:cNvPr id="27" name="Ink 26">
@@ -5985,13 +5989,13 @@
             </p14:xfrm>
           </p:contentPart>
         </mc:Choice>
-        <mc:Fallback xmlns="">
+        <mc:Fallback>
           <p:pic>
             <p:nvPicPr>
               <p:cNvPr id="27" name="Ink 26">
                 <a:extLst>
                   <a:ext uri="{FF2B5EF4-FFF2-40B4-BE49-F238E27FC236}">
-                    <a16:creationId xmlns:a16="http://schemas.microsoft.com/office/drawing/2014/main" id="{45DA6E77-6091-41F4-942A-0F309A3D2009}"/>
+                    <a16:creationId xmlns:a16="http://schemas.microsoft.com/office/drawing/2014/main" xmlns="" xmlns:p14="http://schemas.microsoft.com/office/powerpoint/2010/main" id="{45DA6E77-6091-41F4-942A-0F309A3D2009}"/>
                   </a:ext>
                 </a:extLst>
               </p:cNvPr>
@@ -6016,8 +6020,8 @@
           </p:pic>
         </mc:Fallback>
       </mc:AlternateContent>
-      <mc:AlternateContent xmlns:mc="http://schemas.openxmlformats.org/markup-compatibility/2006" xmlns:p14="http://schemas.microsoft.com/office/powerpoint/2010/main">
-        <mc:Choice Requires="p14">
+      <mc:AlternateContent xmlns:mc="http://schemas.openxmlformats.org/markup-compatibility/2006">
+        <mc:Choice xmlns:p14="http://schemas.microsoft.com/office/powerpoint/2010/main" xmlns="" Requires="p14">
           <p:contentPart p14:bwMode="auto" r:id="rId34">
             <p14:nvContentPartPr>
               <p14:cNvPr id="28" name="Ink 27">
@@ -6036,13 +6040,13 @@
             </p14:xfrm>
           </p:contentPart>
         </mc:Choice>
-        <mc:Fallback xmlns="">
+        <mc:Fallback>
           <p:pic>
             <p:nvPicPr>
               <p:cNvPr id="28" name="Ink 27">
                 <a:extLst>
                   <a:ext uri="{FF2B5EF4-FFF2-40B4-BE49-F238E27FC236}">
-                    <a16:creationId xmlns:a16="http://schemas.microsoft.com/office/drawing/2014/main" id="{E3F3AD06-2FD6-4505-B7DB-A8FB3DED0B43}"/>
+                    <a16:creationId xmlns:a16="http://schemas.microsoft.com/office/drawing/2014/main" xmlns="" xmlns:p14="http://schemas.microsoft.com/office/powerpoint/2010/main" id="{E3F3AD06-2FD6-4505-B7DB-A8FB3DED0B43}"/>
                   </a:ext>
                 </a:extLst>
               </p:cNvPr>
@@ -6067,8 +6071,8 @@
           </p:pic>
         </mc:Fallback>
       </mc:AlternateContent>
-      <mc:AlternateContent xmlns:mc="http://schemas.openxmlformats.org/markup-compatibility/2006" xmlns:p14="http://schemas.microsoft.com/office/powerpoint/2010/main">
-        <mc:Choice Requires="p14">
+      <mc:AlternateContent xmlns:mc="http://schemas.openxmlformats.org/markup-compatibility/2006">
+        <mc:Choice xmlns:p14="http://schemas.microsoft.com/office/powerpoint/2010/main" xmlns="" Requires="p14">
           <p:contentPart p14:bwMode="auto" r:id="rId35">
             <p14:nvContentPartPr>
               <p14:cNvPr id="30" name="Ink 29">
@@ -6087,13 +6091,13 @@
             </p14:xfrm>
           </p:contentPart>
         </mc:Choice>
-        <mc:Fallback xmlns="">
+        <mc:Fallback>
           <p:pic>
             <p:nvPicPr>
               <p:cNvPr id="30" name="Ink 29">
                 <a:extLst>
                   <a:ext uri="{FF2B5EF4-FFF2-40B4-BE49-F238E27FC236}">
-                    <a16:creationId xmlns:a16="http://schemas.microsoft.com/office/drawing/2014/main" id="{C9248AF4-5127-48C9-B6A2-758110871291}"/>
+                    <a16:creationId xmlns:a16="http://schemas.microsoft.com/office/drawing/2014/main" xmlns="" xmlns:p14="http://schemas.microsoft.com/office/powerpoint/2010/main" id="{C9248AF4-5127-48C9-B6A2-758110871291}"/>
                   </a:ext>
                 </a:extLst>
               </p:cNvPr>
@@ -6121,7 +6125,7 @@
     </p:spTree>
     <p:extLst>
       <p:ext uri="{BB962C8B-B14F-4D97-AF65-F5344CB8AC3E}">
-        <p14:creationId xmlns:p14="http://schemas.microsoft.com/office/powerpoint/2010/main" val="3237914124"/>
+        <p14:creationId xmlns:p14="http://schemas.microsoft.com/office/powerpoint/2010/main" xmlns="" val="3237914124"/>
       </p:ext>
     </p:extLst>
   </p:cSld>
@@ -6153,7 +6157,7 @@
           <p:cNvPr id="2" name="Title 1">
             <a:extLst>
               <a:ext uri="{FF2B5EF4-FFF2-40B4-BE49-F238E27FC236}">
-                <a16:creationId xmlns:a16="http://schemas.microsoft.com/office/drawing/2014/main" id="{65C3525F-7CB4-4C06-B037-C81D2DED9B80}"/>
+                <a16:creationId xmlns:a16="http://schemas.microsoft.com/office/drawing/2014/main" xmlns="" id="{65C3525F-7CB4-4C06-B037-C81D2DED9B80}"/>
               </a:ext>
             </a:extLst>
           </p:cNvPr>
@@ -6188,7 +6192,7 @@
           <p:cNvPr id="3" name="Content Placeholder 2">
             <a:extLst>
               <a:ext uri="{FF2B5EF4-FFF2-40B4-BE49-F238E27FC236}">
-                <a16:creationId xmlns:a16="http://schemas.microsoft.com/office/drawing/2014/main" id="{E4FC0D20-FACF-4D73-BD27-CF8F6B97546A}"/>
+                <a16:creationId xmlns:a16="http://schemas.microsoft.com/office/drawing/2014/main" xmlns="" id="{E4FC0D20-FACF-4D73-BD27-CF8F6B97546A}"/>
               </a:ext>
             </a:extLst>
           </p:cNvPr>
@@ -6325,7 +6329,7 @@
           <p:cNvPr id="4" name="Content Placeholder 3">
             <a:extLst>
               <a:ext uri="{FF2B5EF4-FFF2-40B4-BE49-F238E27FC236}">
-                <a16:creationId xmlns:a16="http://schemas.microsoft.com/office/drawing/2014/main" id="{ACA6A89D-097D-4968-A07A-39A5B4F78A62}"/>
+                <a16:creationId xmlns:a16="http://schemas.microsoft.com/office/drawing/2014/main" xmlns="" id="{ACA6A89D-097D-4968-A07A-39A5B4F78A62}"/>
               </a:ext>
             </a:extLst>
           </p:cNvPr>
@@ -6392,7 +6396,7 @@
     </p:spTree>
     <p:extLst>
       <p:ext uri="{BB962C8B-B14F-4D97-AF65-F5344CB8AC3E}">
-        <p14:creationId xmlns:p14="http://schemas.microsoft.com/office/powerpoint/2010/main" val="2659604895"/>
+        <p14:creationId xmlns:p14="http://schemas.microsoft.com/office/powerpoint/2010/main" xmlns="" val="2659604895"/>
       </p:ext>
     </p:extLst>
   </p:cSld>
@@ -6424,7 +6428,7 @@
           <p:cNvPr id="2" name="Title 1">
             <a:extLst>
               <a:ext uri="{FF2B5EF4-FFF2-40B4-BE49-F238E27FC236}">
-                <a16:creationId xmlns:a16="http://schemas.microsoft.com/office/drawing/2014/main" id="{2873BEC0-94F5-4226-A9E7-51B66045EF49}"/>
+                <a16:creationId xmlns:a16="http://schemas.microsoft.com/office/drawing/2014/main" xmlns="" id="{2873BEC0-94F5-4226-A9E7-51B66045EF49}"/>
               </a:ext>
             </a:extLst>
           </p:cNvPr>
@@ -6459,7 +6463,7 @@
           <p:cNvPr id="3" name="Content Placeholder 2">
             <a:extLst>
               <a:ext uri="{FF2B5EF4-FFF2-40B4-BE49-F238E27FC236}">
-                <a16:creationId xmlns:a16="http://schemas.microsoft.com/office/drawing/2014/main" id="{902FD5C4-FE5F-46D2-ABC9-49FA4BB8442F}"/>
+                <a16:creationId xmlns:a16="http://schemas.microsoft.com/office/drawing/2014/main" xmlns="" id="{902FD5C4-FE5F-46D2-ABC9-49FA4BB8442F}"/>
               </a:ext>
             </a:extLst>
           </p:cNvPr>
@@ -6500,7 +6504,7 @@
           <p:cNvPr id="5" name="Picture 4">
             <a:extLst>
               <a:ext uri="{FF2B5EF4-FFF2-40B4-BE49-F238E27FC236}">
-                <a16:creationId xmlns:a16="http://schemas.microsoft.com/office/drawing/2014/main" id="{49F6C466-B847-478E-ADAD-F2B14AA5067A}"/>
+                <a16:creationId xmlns:a16="http://schemas.microsoft.com/office/drawing/2014/main" xmlns="" id="{49F6C466-B847-478E-ADAD-F2B14AA5067A}"/>
               </a:ext>
             </a:extLst>
           </p:cNvPr>
@@ -6528,7 +6532,7 @@
     </p:spTree>
     <p:extLst>
       <p:ext uri="{BB962C8B-B14F-4D97-AF65-F5344CB8AC3E}">
-        <p14:creationId xmlns:p14="http://schemas.microsoft.com/office/powerpoint/2010/main" val="9691683"/>
+        <p14:creationId xmlns:p14="http://schemas.microsoft.com/office/powerpoint/2010/main" xmlns="" val="9691683"/>
       </p:ext>
     </p:extLst>
   </p:cSld>
@@ -6560,7 +6564,7 @@
           <p:cNvPr id="2" name="Title 1">
             <a:extLst>
               <a:ext uri="{FF2B5EF4-FFF2-40B4-BE49-F238E27FC236}">
-                <a16:creationId xmlns:a16="http://schemas.microsoft.com/office/drawing/2014/main" id="{2873BEC0-94F5-4226-A9E7-51B66045EF49}"/>
+                <a16:creationId xmlns:a16="http://schemas.microsoft.com/office/drawing/2014/main" xmlns="" id="{2873BEC0-94F5-4226-A9E7-51B66045EF49}"/>
               </a:ext>
             </a:extLst>
           </p:cNvPr>
@@ -6595,7 +6599,7 @@
           <p:cNvPr id="8" name="Content Placeholder 2">
             <a:extLst>
               <a:ext uri="{FF2B5EF4-FFF2-40B4-BE49-F238E27FC236}">
-                <a16:creationId xmlns:a16="http://schemas.microsoft.com/office/drawing/2014/main" id="{EFCC0E64-0E5B-4BA1-BC72-30FA1DE96F29}"/>
+                <a16:creationId xmlns:a16="http://schemas.microsoft.com/office/drawing/2014/main" xmlns="" id="{EFCC0E64-0E5B-4BA1-BC72-30FA1DE96F29}"/>
               </a:ext>
             </a:extLst>
           </p:cNvPr>
@@ -6634,7 +6638,7 @@
           <p:cNvPr id="6" name="Picture 5">
             <a:extLst>
               <a:ext uri="{FF2B5EF4-FFF2-40B4-BE49-F238E27FC236}">
-                <a16:creationId xmlns:a16="http://schemas.microsoft.com/office/drawing/2014/main" id="{4DC72581-50AC-4B55-9E2E-B011CEE75C15}"/>
+                <a16:creationId xmlns:a16="http://schemas.microsoft.com/office/drawing/2014/main" xmlns="" id="{4DC72581-50AC-4B55-9E2E-B011CEE75C15}"/>
               </a:ext>
             </a:extLst>
           </p:cNvPr>
@@ -6662,7 +6666,7 @@
     </p:spTree>
     <p:extLst>
       <p:ext uri="{BB962C8B-B14F-4D97-AF65-F5344CB8AC3E}">
-        <p14:creationId xmlns:p14="http://schemas.microsoft.com/office/powerpoint/2010/main" val="916853615"/>
+        <p14:creationId xmlns:p14="http://schemas.microsoft.com/office/powerpoint/2010/main" xmlns="" val="916853615"/>
       </p:ext>
     </p:extLst>
   </p:cSld>
@@ -6694,7 +6698,7 @@
           <p:cNvPr id="2" name="Title 1">
             <a:extLst>
               <a:ext uri="{FF2B5EF4-FFF2-40B4-BE49-F238E27FC236}">
-                <a16:creationId xmlns:a16="http://schemas.microsoft.com/office/drawing/2014/main" id="{2873BEC0-94F5-4226-A9E7-51B66045EF49}"/>
+                <a16:creationId xmlns:a16="http://schemas.microsoft.com/office/drawing/2014/main" xmlns="" id="{2873BEC0-94F5-4226-A9E7-51B66045EF49}"/>
               </a:ext>
             </a:extLst>
           </p:cNvPr>
@@ -6729,7 +6733,7 @@
           <p:cNvPr id="8" name="Content Placeholder 2">
             <a:extLst>
               <a:ext uri="{FF2B5EF4-FFF2-40B4-BE49-F238E27FC236}">
-                <a16:creationId xmlns:a16="http://schemas.microsoft.com/office/drawing/2014/main" id="{EFCC0E64-0E5B-4BA1-BC72-30FA1DE96F29}"/>
+                <a16:creationId xmlns:a16="http://schemas.microsoft.com/office/drawing/2014/main" xmlns="" id="{EFCC0E64-0E5B-4BA1-BC72-30FA1DE96F29}"/>
               </a:ext>
             </a:extLst>
           </p:cNvPr>
@@ -6768,7 +6772,7 @@
           <p:cNvPr id="4" name="Picture 3">
             <a:extLst>
               <a:ext uri="{FF2B5EF4-FFF2-40B4-BE49-F238E27FC236}">
-                <a16:creationId xmlns:a16="http://schemas.microsoft.com/office/drawing/2014/main" id="{DCE71877-FA9A-4887-852F-91BA344D5967}"/>
+                <a16:creationId xmlns:a16="http://schemas.microsoft.com/office/drawing/2014/main" xmlns="" id="{DCE71877-FA9A-4887-852F-91BA344D5967}"/>
               </a:ext>
             </a:extLst>
           </p:cNvPr>
@@ -6796,7 +6800,7 @@
     </p:spTree>
     <p:extLst>
       <p:ext uri="{BB962C8B-B14F-4D97-AF65-F5344CB8AC3E}">
-        <p14:creationId xmlns:p14="http://schemas.microsoft.com/office/powerpoint/2010/main" val="3266127139"/>
+        <p14:creationId xmlns:p14="http://schemas.microsoft.com/office/powerpoint/2010/main" xmlns="" val="3266127139"/>
       </p:ext>
     </p:extLst>
   </p:cSld>
@@ -6828,7 +6832,7 @@
           <p:cNvPr id="2" name="Title 1">
             <a:extLst>
               <a:ext uri="{FF2B5EF4-FFF2-40B4-BE49-F238E27FC236}">
-                <a16:creationId xmlns:a16="http://schemas.microsoft.com/office/drawing/2014/main" id="{2873BEC0-94F5-4226-A9E7-51B66045EF49}"/>
+                <a16:creationId xmlns:a16="http://schemas.microsoft.com/office/drawing/2014/main" xmlns="" id="{2873BEC0-94F5-4226-A9E7-51B66045EF49}"/>
               </a:ext>
             </a:extLst>
           </p:cNvPr>
@@ -6863,7 +6867,7 @@
           <p:cNvPr id="8" name="Content Placeholder 2">
             <a:extLst>
               <a:ext uri="{FF2B5EF4-FFF2-40B4-BE49-F238E27FC236}">
-                <a16:creationId xmlns:a16="http://schemas.microsoft.com/office/drawing/2014/main" id="{EFCC0E64-0E5B-4BA1-BC72-30FA1DE96F29}"/>
+                <a16:creationId xmlns:a16="http://schemas.microsoft.com/office/drawing/2014/main" xmlns="" id="{EFCC0E64-0E5B-4BA1-BC72-30FA1DE96F29}"/>
               </a:ext>
             </a:extLst>
           </p:cNvPr>
@@ -6908,7 +6912,7 @@
           <p:cNvPr id="4" name="Picture 3">
             <a:extLst>
               <a:ext uri="{FF2B5EF4-FFF2-40B4-BE49-F238E27FC236}">
-                <a16:creationId xmlns:a16="http://schemas.microsoft.com/office/drawing/2014/main" id="{F37BC22A-1B48-447F-8BA8-AD70F661F6C2}"/>
+                <a16:creationId xmlns:a16="http://schemas.microsoft.com/office/drawing/2014/main" xmlns="" id="{F37BC22A-1B48-447F-8BA8-AD70F661F6C2}"/>
               </a:ext>
             </a:extLst>
           </p:cNvPr>
@@ -6936,7 +6940,7 @@
     </p:spTree>
     <p:extLst>
       <p:ext uri="{BB962C8B-B14F-4D97-AF65-F5344CB8AC3E}">
-        <p14:creationId xmlns:p14="http://schemas.microsoft.com/office/powerpoint/2010/main" val="3517973280"/>
+        <p14:creationId xmlns:p14="http://schemas.microsoft.com/office/powerpoint/2010/main" xmlns="" val="3517973280"/>
       </p:ext>
     </p:extLst>
   </p:cSld>
@@ -6968,7 +6972,7 @@
           <p:cNvPr id="2" name="Title 1">
             <a:extLst>
               <a:ext uri="{FF2B5EF4-FFF2-40B4-BE49-F238E27FC236}">
-                <a16:creationId xmlns:a16="http://schemas.microsoft.com/office/drawing/2014/main" id="{2873BEC0-94F5-4226-A9E7-51B66045EF49}"/>
+                <a16:creationId xmlns:a16="http://schemas.microsoft.com/office/drawing/2014/main" xmlns="" id="{2873BEC0-94F5-4226-A9E7-51B66045EF49}"/>
               </a:ext>
             </a:extLst>
           </p:cNvPr>
@@ -7003,7 +7007,7 @@
           <p:cNvPr id="3" name="Content Placeholder 2">
             <a:extLst>
               <a:ext uri="{FF2B5EF4-FFF2-40B4-BE49-F238E27FC236}">
-                <a16:creationId xmlns:a16="http://schemas.microsoft.com/office/drawing/2014/main" id="{22E5FA6B-CA5C-4FB5-AAB3-8260D2EF86C9}"/>
+                <a16:creationId xmlns:a16="http://schemas.microsoft.com/office/drawing/2014/main" xmlns="" id="{22E5FA6B-CA5C-4FB5-AAB3-8260D2EF86C9}"/>
               </a:ext>
             </a:extLst>
           </p:cNvPr>
@@ -7036,7 +7040,7 @@
           <p:cNvPr id="5" name="Content Placeholder 3">
             <a:extLst>
               <a:ext uri="{FF2B5EF4-FFF2-40B4-BE49-F238E27FC236}">
-                <a16:creationId xmlns:a16="http://schemas.microsoft.com/office/drawing/2014/main" id="{28684E62-A9F8-4E7A-AB01-78893062A1B4}"/>
+                <a16:creationId xmlns:a16="http://schemas.microsoft.com/office/drawing/2014/main" xmlns="" id="{28684E62-A9F8-4E7A-AB01-78893062A1B4}"/>
               </a:ext>
             </a:extLst>
           </p:cNvPr>
@@ -7067,7 +7071,7 @@
     </p:spTree>
     <p:extLst>
       <p:ext uri="{BB962C8B-B14F-4D97-AF65-F5344CB8AC3E}">
-        <p14:creationId xmlns:p14="http://schemas.microsoft.com/office/powerpoint/2010/main" val="2161130591"/>
+        <p14:creationId xmlns:p14="http://schemas.microsoft.com/office/powerpoint/2010/main" xmlns="" val="2161130591"/>
       </p:ext>
     </p:extLst>
   </p:cSld>
@@ -7099,7 +7103,7 @@
           <p:cNvPr id="2" name="Title 1">
             <a:extLst>
               <a:ext uri="{FF2B5EF4-FFF2-40B4-BE49-F238E27FC236}">
-                <a16:creationId xmlns:a16="http://schemas.microsoft.com/office/drawing/2014/main" id="{65C3525F-7CB4-4C06-B037-C81D2DED9B80}"/>
+                <a16:creationId xmlns:a16="http://schemas.microsoft.com/office/drawing/2014/main" xmlns="" id="{65C3525F-7CB4-4C06-B037-C81D2DED9B80}"/>
               </a:ext>
             </a:extLst>
           </p:cNvPr>
@@ -7127,7 +7131,7 @@
           <p:cNvPr id="3" name="Content Placeholder 2">
             <a:extLst>
               <a:ext uri="{FF2B5EF4-FFF2-40B4-BE49-F238E27FC236}">
-                <a16:creationId xmlns:a16="http://schemas.microsoft.com/office/drawing/2014/main" id="{E4FC0D20-FACF-4D73-BD27-CF8F6B97546A}"/>
+                <a16:creationId xmlns:a16="http://schemas.microsoft.com/office/drawing/2014/main" xmlns="" id="{E4FC0D20-FACF-4D73-BD27-CF8F6B97546A}"/>
               </a:ext>
             </a:extLst>
           </p:cNvPr>
@@ -7146,7 +7150,7 @@
         </p:spPr>
         <p:txBody>
           <a:bodyPr>
-            <a:normAutofit fontScale="70000" lnSpcReduction="20000"/>
+            <a:normAutofit fontScale="55000" lnSpcReduction="20000"/>
           </a:bodyPr>
           <a:lstStyle/>
           <a:p>
@@ -7225,7 +7229,7 @@
           <p:cNvPr id="4" name="Content Placeholder 3">
             <a:extLst>
               <a:ext uri="{FF2B5EF4-FFF2-40B4-BE49-F238E27FC236}">
-                <a16:creationId xmlns:a16="http://schemas.microsoft.com/office/drawing/2014/main" id="{ACA6A89D-097D-4968-A07A-39A5B4F78A62}"/>
+                <a16:creationId xmlns:a16="http://schemas.microsoft.com/office/drawing/2014/main" xmlns="" id="{ACA6A89D-097D-4968-A07A-39A5B4F78A62}"/>
               </a:ext>
             </a:extLst>
           </p:cNvPr>
@@ -7239,7 +7243,7 @@
         <p:spPr/>
         <p:txBody>
           <a:bodyPr>
-            <a:normAutofit fontScale="70000" lnSpcReduction="20000"/>
+            <a:normAutofit fontScale="55000" lnSpcReduction="20000"/>
           </a:bodyPr>
           <a:lstStyle/>
           <a:p>
@@ -7298,7 +7302,7 @@
     </p:spTree>
     <p:extLst>
       <p:ext uri="{BB962C8B-B14F-4D97-AF65-F5344CB8AC3E}">
-        <p14:creationId xmlns:p14="http://schemas.microsoft.com/office/powerpoint/2010/main" val="647271476"/>
+        <p14:creationId xmlns:p14="http://schemas.microsoft.com/office/powerpoint/2010/main" xmlns="" val="647271476"/>
       </p:ext>
     </p:extLst>
   </p:cSld>
@@ -7330,7 +7334,7 @@
           <p:cNvPr id="2" name="Title 1">
             <a:extLst>
               <a:ext uri="{FF2B5EF4-FFF2-40B4-BE49-F238E27FC236}">
-                <a16:creationId xmlns:a16="http://schemas.microsoft.com/office/drawing/2014/main" id="{2873BEC0-94F5-4226-A9E7-51B66045EF49}"/>
+                <a16:creationId xmlns:a16="http://schemas.microsoft.com/office/drawing/2014/main" xmlns="" id="{2873BEC0-94F5-4226-A9E7-51B66045EF49}"/>
               </a:ext>
             </a:extLst>
           </p:cNvPr>
@@ -7365,7 +7369,7 @@
           <p:cNvPr id="5" name="Content Placeholder 3">
             <a:extLst>
               <a:ext uri="{FF2B5EF4-FFF2-40B4-BE49-F238E27FC236}">
-                <a16:creationId xmlns:a16="http://schemas.microsoft.com/office/drawing/2014/main" id="{28684E62-A9F8-4E7A-AB01-78893062A1B4}"/>
+                <a16:creationId xmlns:a16="http://schemas.microsoft.com/office/drawing/2014/main" xmlns="" id="{28684E62-A9F8-4E7A-AB01-78893062A1B4}"/>
               </a:ext>
             </a:extLst>
           </p:cNvPr>
@@ -7383,7 +7387,9 @@
           </a:xfrm>
         </p:spPr>
         <p:txBody>
-          <a:bodyPr/>
+          <a:bodyPr>
+            <a:normAutofit fontScale="92500"/>
+          </a:bodyPr>
           <a:lstStyle/>
           <a:p>
             <a:r>
@@ -7422,7 +7428,7 @@
           <p:cNvPr id="6" name="Content Placeholder 5">
             <a:extLst>
               <a:ext uri="{FF2B5EF4-FFF2-40B4-BE49-F238E27FC236}">
-                <a16:creationId xmlns:a16="http://schemas.microsoft.com/office/drawing/2014/main" id="{5E013141-2139-434F-83AB-CF1C80A7AC4A}"/>
+                <a16:creationId xmlns:a16="http://schemas.microsoft.com/office/drawing/2014/main" xmlns="" id="{5E013141-2139-434F-83AB-CF1C80A7AC4A}"/>
               </a:ext>
             </a:extLst>
           </p:cNvPr>
@@ -7452,7 +7458,7 @@
     </p:spTree>
     <p:extLst>
       <p:ext uri="{BB962C8B-B14F-4D97-AF65-F5344CB8AC3E}">
-        <p14:creationId xmlns:p14="http://schemas.microsoft.com/office/powerpoint/2010/main" val="1630123617"/>
+        <p14:creationId xmlns:p14="http://schemas.microsoft.com/office/powerpoint/2010/main" xmlns="" val="1630123617"/>
       </p:ext>
     </p:extLst>
   </p:cSld>
@@ -7484,7 +7490,7 @@
           <p:cNvPr id="2" name="Title 1">
             <a:extLst>
               <a:ext uri="{FF2B5EF4-FFF2-40B4-BE49-F238E27FC236}">
-                <a16:creationId xmlns:a16="http://schemas.microsoft.com/office/drawing/2014/main" id="{2873BEC0-94F5-4226-A9E7-51B66045EF49}"/>
+                <a16:creationId xmlns:a16="http://schemas.microsoft.com/office/drawing/2014/main" xmlns="" id="{2873BEC0-94F5-4226-A9E7-51B66045EF49}"/>
               </a:ext>
             </a:extLst>
           </p:cNvPr>
@@ -7519,7 +7525,7 @@
           <p:cNvPr id="5" name="Content Placeholder 3">
             <a:extLst>
               <a:ext uri="{FF2B5EF4-FFF2-40B4-BE49-F238E27FC236}">
-                <a16:creationId xmlns:a16="http://schemas.microsoft.com/office/drawing/2014/main" id="{28684E62-A9F8-4E7A-AB01-78893062A1B4}"/>
+                <a16:creationId xmlns:a16="http://schemas.microsoft.com/office/drawing/2014/main" xmlns="" id="{28684E62-A9F8-4E7A-AB01-78893062A1B4}"/>
               </a:ext>
             </a:extLst>
           </p:cNvPr>
@@ -7537,7 +7543,9 @@
           </a:xfrm>
         </p:spPr>
         <p:txBody>
-          <a:bodyPr/>
+          <a:bodyPr>
+            <a:normAutofit lnSpcReduction="10000"/>
+          </a:bodyPr>
           <a:lstStyle/>
           <a:p>
             <a:pPr marL="0" indent="0">
@@ -7622,7 +7630,7 @@
           <p:cNvPr id="4" name="Content Placeholder 3">
             <a:extLst>
               <a:ext uri="{FF2B5EF4-FFF2-40B4-BE49-F238E27FC236}">
-                <a16:creationId xmlns:a16="http://schemas.microsoft.com/office/drawing/2014/main" id="{D5D63823-FC2E-4AC2-93D5-3C2B6F315436}"/>
+                <a16:creationId xmlns:a16="http://schemas.microsoft.com/office/drawing/2014/main" xmlns="" id="{D5D63823-FC2E-4AC2-93D5-3C2B6F315436}"/>
               </a:ext>
             </a:extLst>
           </p:cNvPr>
@@ -7652,7 +7660,7 @@
     </p:spTree>
     <p:extLst>
       <p:ext uri="{BB962C8B-B14F-4D97-AF65-F5344CB8AC3E}">
-        <p14:creationId xmlns:p14="http://schemas.microsoft.com/office/powerpoint/2010/main" val="3410008520"/>
+        <p14:creationId xmlns:p14="http://schemas.microsoft.com/office/powerpoint/2010/main" xmlns="" val="3410008520"/>
       </p:ext>
     </p:extLst>
   </p:cSld>
@@ -7684,7 +7692,7 @@
           <p:cNvPr id="2" name="Title 1">
             <a:extLst>
               <a:ext uri="{FF2B5EF4-FFF2-40B4-BE49-F238E27FC236}">
-                <a16:creationId xmlns:a16="http://schemas.microsoft.com/office/drawing/2014/main" id="{2873BEC0-94F5-4226-A9E7-51B66045EF49}"/>
+                <a16:creationId xmlns:a16="http://schemas.microsoft.com/office/drawing/2014/main" xmlns="" id="{2873BEC0-94F5-4226-A9E7-51B66045EF49}"/>
               </a:ext>
             </a:extLst>
           </p:cNvPr>
@@ -7719,7 +7727,7 @@
           <p:cNvPr id="5" name="Content Placeholder 4">
             <a:extLst>
               <a:ext uri="{FF2B5EF4-FFF2-40B4-BE49-F238E27FC236}">
-                <a16:creationId xmlns:a16="http://schemas.microsoft.com/office/drawing/2014/main" id="{2EF79324-EDA6-4C10-8153-8CAB51FAF2D1}"/>
+                <a16:creationId xmlns:a16="http://schemas.microsoft.com/office/drawing/2014/main" xmlns="" id="{2EF79324-EDA6-4C10-8153-8CAB51FAF2D1}"/>
               </a:ext>
             </a:extLst>
           </p:cNvPr>
@@ -7746,7 +7754,7 @@
     </p:spTree>
     <p:extLst>
       <p:ext uri="{BB962C8B-B14F-4D97-AF65-F5344CB8AC3E}">
-        <p14:creationId xmlns:p14="http://schemas.microsoft.com/office/powerpoint/2010/main" val="3078551498"/>
+        <p14:creationId xmlns:p14="http://schemas.microsoft.com/office/powerpoint/2010/main" xmlns="" val="3078551498"/>
       </p:ext>
     </p:extLst>
   </p:cSld>
@@ -7778,7 +7786,7 @@
           <p:cNvPr id="4" name="Picture 3">
             <a:extLst>
               <a:ext uri="{FF2B5EF4-FFF2-40B4-BE49-F238E27FC236}">
-                <a16:creationId xmlns:a16="http://schemas.microsoft.com/office/drawing/2014/main" id="{9B37F9FA-3571-49C2-8811-B1159FCC0D6D}"/>
+                <a16:creationId xmlns:a16="http://schemas.microsoft.com/office/drawing/2014/main" xmlns="" id="{9B37F9FA-3571-49C2-8811-B1159FCC0D6D}"/>
               </a:ext>
             </a:extLst>
           </p:cNvPr>
@@ -7808,7 +7816,7 @@
           <p:cNvPr id="2" name="Title 1">
             <a:extLst>
               <a:ext uri="{FF2B5EF4-FFF2-40B4-BE49-F238E27FC236}">
-                <a16:creationId xmlns:a16="http://schemas.microsoft.com/office/drawing/2014/main" id="{2873BEC0-94F5-4226-A9E7-51B66045EF49}"/>
+                <a16:creationId xmlns:a16="http://schemas.microsoft.com/office/drawing/2014/main" xmlns="" id="{2873BEC0-94F5-4226-A9E7-51B66045EF49}"/>
               </a:ext>
             </a:extLst>
           </p:cNvPr>
@@ -7843,7 +7851,7 @@
           <p:cNvPr id="3" name="Content Placeholder 2">
             <a:extLst>
               <a:ext uri="{FF2B5EF4-FFF2-40B4-BE49-F238E27FC236}">
-                <a16:creationId xmlns:a16="http://schemas.microsoft.com/office/drawing/2014/main" id="{902FD5C4-FE5F-46D2-ABC9-49FA4BB8442F}"/>
+                <a16:creationId xmlns:a16="http://schemas.microsoft.com/office/drawing/2014/main" xmlns="" id="{902FD5C4-FE5F-46D2-ABC9-49FA4BB8442F}"/>
               </a:ext>
             </a:extLst>
           </p:cNvPr>
@@ -7930,8 +7938,8 @@
           </a:p>
         </p:txBody>
       </p:sp>
-      <mc:AlternateContent xmlns:mc="http://schemas.openxmlformats.org/markup-compatibility/2006" xmlns:p14="http://schemas.microsoft.com/office/powerpoint/2010/main">
-        <mc:Choice Requires="p14">
+      <mc:AlternateContent xmlns:mc="http://schemas.openxmlformats.org/markup-compatibility/2006">
+        <mc:Choice xmlns:p14="http://schemas.microsoft.com/office/powerpoint/2010/main" xmlns="" Requires="p14">
           <p:contentPart p14:bwMode="auto" r:id="rId3">
             <p14:nvContentPartPr>
               <p14:cNvPr id="9" name="Ink 8">
@@ -7950,13 +7958,13 @@
             </p14:xfrm>
           </p:contentPart>
         </mc:Choice>
-        <mc:Fallback xmlns="">
+        <mc:Fallback>
           <p:pic>
             <p:nvPicPr>
               <p:cNvPr id="9" name="Ink 8">
                 <a:extLst>
                   <a:ext uri="{FF2B5EF4-FFF2-40B4-BE49-F238E27FC236}">
-                    <a16:creationId xmlns:a16="http://schemas.microsoft.com/office/drawing/2014/main" id="{1A185CBD-ED91-4F24-BEB9-8E33AD8AC3B1}"/>
+                    <a16:creationId xmlns:a16="http://schemas.microsoft.com/office/drawing/2014/main" xmlns="" xmlns:p14="http://schemas.microsoft.com/office/powerpoint/2010/main" id="{1A185CBD-ED91-4F24-BEB9-8E33AD8AC3B1}"/>
                   </a:ext>
                 </a:extLst>
               </p:cNvPr>
@@ -7964,7 +7972,7 @@
               <p:nvPr/>
             </p:nvPicPr>
             <p:blipFill>
-              <a:blip r:embed="rId7"/>
+              <a:blip r:embed="rId4"/>
               <a:stretch>
                 <a:fillRect/>
               </a:stretch>
@@ -7981,8 +7989,8 @@
           </p:pic>
         </mc:Fallback>
       </mc:AlternateContent>
-      <mc:AlternateContent xmlns:mc="http://schemas.openxmlformats.org/markup-compatibility/2006" xmlns:p14="http://schemas.microsoft.com/office/powerpoint/2010/main">
-        <mc:Choice Requires="p14">
+      <mc:AlternateContent xmlns:mc="http://schemas.openxmlformats.org/markup-compatibility/2006">
+        <mc:Choice xmlns:p14="http://schemas.microsoft.com/office/powerpoint/2010/main" xmlns="" Requires="p14">
           <p:contentPart p14:bwMode="auto" r:id="rId8">
             <p14:nvContentPartPr>
               <p14:cNvPr id="10" name="Ink 9">
@@ -8001,13 +8009,13 @@
             </p14:xfrm>
           </p:contentPart>
         </mc:Choice>
-        <mc:Fallback xmlns="">
+        <mc:Fallback>
           <p:pic>
             <p:nvPicPr>
               <p:cNvPr id="10" name="Ink 9">
                 <a:extLst>
                   <a:ext uri="{FF2B5EF4-FFF2-40B4-BE49-F238E27FC236}">
-                    <a16:creationId xmlns:a16="http://schemas.microsoft.com/office/drawing/2014/main" id="{032BD37A-4777-4658-98DC-561C88BBD6B5}"/>
+                    <a16:creationId xmlns:a16="http://schemas.microsoft.com/office/drawing/2014/main" xmlns="" xmlns:p14="http://schemas.microsoft.com/office/powerpoint/2010/main" id="{032BD37A-4777-4658-98DC-561C88BBD6B5}"/>
                   </a:ext>
                 </a:extLst>
               </p:cNvPr>
@@ -8015,7 +8023,7 @@
               <p:nvPr/>
             </p:nvPicPr>
             <p:blipFill>
-              <a:blip r:embed="rId7"/>
+              <a:blip r:embed="rId4"/>
               <a:stretch>
                 <a:fillRect/>
               </a:stretch>
@@ -8032,8 +8040,8 @@
           </p:pic>
         </mc:Fallback>
       </mc:AlternateContent>
-      <mc:AlternateContent xmlns:mc="http://schemas.openxmlformats.org/markup-compatibility/2006" xmlns:p14="http://schemas.microsoft.com/office/powerpoint/2010/main">
-        <mc:Choice Requires="p14">
+      <mc:AlternateContent xmlns:mc="http://schemas.openxmlformats.org/markup-compatibility/2006">
+        <mc:Choice xmlns:p14="http://schemas.microsoft.com/office/powerpoint/2010/main" xmlns="" Requires="p14">
           <p:contentPart p14:bwMode="auto" r:id="rId9">
             <p14:nvContentPartPr>
               <p14:cNvPr id="11" name="Ink 10">
@@ -8052,13 +8060,13 @@
             </p14:xfrm>
           </p:contentPart>
         </mc:Choice>
-        <mc:Fallback xmlns="">
+        <mc:Fallback>
           <p:pic>
             <p:nvPicPr>
               <p:cNvPr id="11" name="Ink 10">
                 <a:extLst>
                   <a:ext uri="{FF2B5EF4-FFF2-40B4-BE49-F238E27FC236}">
-                    <a16:creationId xmlns:a16="http://schemas.microsoft.com/office/drawing/2014/main" id="{8D6F0DE4-0F5C-4DBC-980B-FA84561A37BD}"/>
+                    <a16:creationId xmlns:a16="http://schemas.microsoft.com/office/drawing/2014/main" xmlns="" xmlns:p14="http://schemas.microsoft.com/office/powerpoint/2010/main" id="{8D6F0DE4-0F5C-4DBC-980B-FA84561A37BD}"/>
                   </a:ext>
                 </a:extLst>
               </p:cNvPr>
@@ -8066,7 +8074,7 @@
               <p:nvPr/>
             </p:nvPicPr>
             <p:blipFill>
-              <a:blip r:embed="rId7"/>
+              <a:blip r:embed="rId4"/>
               <a:stretch>
                 <a:fillRect/>
               </a:stretch>
@@ -8083,8 +8091,8 @@
           </p:pic>
         </mc:Fallback>
       </mc:AlternateContent>
-      <mc:AlternateContent xmlns:mc="http://schemas.openxmlformats.org/markup-compatibility/2006" xmlns:p14="http://schemas.microsoft.com/office/powerpoint/2010/main">
-        <mc:Choice Requires="p14">
+      <mc:AlternateContent xmlns:mc="http://schemas.openxmlformats.org/markup-compatibility/2006">
+        <mc:Choice xmlns:p14="http://schemas.microsoft.com/office/powerpoint/2010/main" xmlns="" Requires="p14">
           <p:contentPart p14:bwMode="auto" r:id="rId10">
             <p14:nvContentPartPr>
               <p14:cNvPr id="12" name="Ink 11">
@@ -8103,13 +8111,13 @@
             </p14:xfrm>
           </p:contentPart>
         </mc:Choice>
-        <mc:Fallback xmlns="">
+        <mc:Fallback>
           <p:pic>
             <p:nvPicPr>
               <p:cNvPr id="12" name="Ink 11">
                 <a:extLst>
                   <a:ext uri="{FF2B5EF4-FFF2-40B4-BE49-F238E27FC236}">
-                    <a16:creationId xmlns:a16="http://schemas.microsoft.com/office/drawing/2014/main" id="{24F830F4-CC15-48E6-AB15-04ED683CA04A}"/>
+                    <a16:creationId xmlns:a16="http://schemas.microsoft.com/office/drawing/2014/main" xmlns="" xmlns:p14="http://schemas.microsoft.com/office/powerpoint/2010/main" id="{24F830F4-CC15-48E6-AB15-04ED683CA04A}"/>
                   </a:ext>
                 </a:extLst>
               </p:cNvPr>
@@ -8134,8 +8142,8 @@
           </p:pic>
         </mc:Fallback>
       </mc:AlternateContent>
-      <mc:AlternateContent xmlns:mc="http://schemas.openxmlformats.org/markup-compatibility/2006" xmlns:p14="http://schemas.microsoft.com/office/powerpoint/2010/main">
-        <mc:Choice Requires="p14">
+      <mc:AlternateContent xmlns:mc="http://schemas.openxmlformats.org/markup-compatibility/2006">
+        <mc:Choice xmlns:p14="http://schemas.microsoft.com/office/powerpoint/2010/main" xmlns="" Requires="p14">
           <p:contentPart p14:bwMode="auto" r:id="rId12">
             <p14:nvContentPartPr>
               <p14:cNvPr id="13" name="Ink 12">
@@ -8154,13 +8162,13 @@
             </p14:xfrm>
           </p:contentPart>
         </mc:Choice>
-        <mc:Fallback xmlns="">
+        <mc:Fallback>
           <p:pic>
             <p:nvPicPr>
               <p:cNvPr id="13" name="Ink 12">
                 <a:extLst>
                   <a:ext uri="{FF2B5EF4-FFF2-40B4-BE49-F238E27FC236}">
-                    <a16:creationId xmlns:a16="http://schemas.microsoft.com/office/drawing/2014/main" id="{18EA1C91-5384-4260-8EC9-8379C643441C}"/>
+                    <a16:creationId xmlns:a16="http://schemas.microsoft.com/office/drawing/2014/main" xmlns="" xmlns:p14="http://schemas.microsoft.com/office/powerpoint/2010/main" id="{18EA1C91-5384-4260-8EC9-8379C643441C}"/>
                   </a:ext>
                 </a:extLst>
               </p:cNvPr>
@@ -8185,8 +8193,8 @@
           </p:pic>
         </mc:Fallback>
       </mc:AlternateContent>
-      <mc:AlternateContent xmlns:mc="http://schemas.openxmlformats.org/markup-compatibility/2006" xmlns:p14="http://schemas.microsoft.com/office/powerpoint/2010/main">
-        <mc:Choice Requires="p14">
+      <mc:AlternateContent xmlns:mc="http://schemas.openxmlformats.org/markup-compatibility/2006">
+        <mc:Choice xmlns:p14="http://schemas.microsoft.com/office/powerpoint/2010/main" xmlns="" Requires="p14">
           <p:contentPart p14:bwMode="auto" r:id="rId14">
             <p14:nvContentPartPr>
               <p14:cNvPr id="14" name="Ink 13">
@@ -8205,13 +8213,13 @@
             </p14:xfrm>
           </p:contentPart>
         </mc:Choice>
-        <mc:Fallback xmlns="">
+        <mc:Fallback>
           <p:pic>
             <p:nvPicPr>
               <p:cNvPr id="14" name="Ink 13">
                 <a:extLst>
                   <a:ext uri="{FF2B5EF4-FFF2-40B4-BE49-F238E27FC236}">
-                    <a16:creationId xmlns:a16="http://schemas.microsoft.com/office/drawing/2014/main" id="{97E9F6ED-ACEE-438F-A76C-C66263E59B33}"/>
+                    <a16:creationId xmlns:a16="http://schemas.microsoft.com/office/drawing/2014/main" xmlns="" xmlns:p14="http://schemas.microsoft.com/office/powerpoint/2010/main" id="{97E9F6ED-ACEE-438F-A76C-C66263E59B33}"/>
                   </a:ext>
                 </a:extLst>
               </p:cNvPr>
@@ -8219,7 +8227,7 @@
               <p:nvPr/>
             </p:nvPicPr>
             <p:blipFill>
-              <a:blip r:embed="rId7"/>
+              <a:blip r:embed="rId4"/>
               <a:stretch>
                 <a:fillRect/>
               </a:stretch>
@@ -8236,8 +8244,8 @@
           </p:pic>
         </mc:Fallback>
       </mc:AlternateContent>
-      <mc:AlternateContent xmlns:mc="http://schemas.openxmlformats.org/markup-compatibility/2006" xmlns:p14="http://schemas.microsoft.com/office/powerpoint/2010/main">
-        <mc:Choice Requires="p14">
+      <mc:AlternateContent xmlns:mc="http://schemas.openxmlformats.org/markup-compatibility/2006">
+        <mc:Choice xmlns:p14="http://schemas.microsoft.com/office/powerpoint/2010/main" xmlns="" Requires="p14">
           <p:contentPart p14:bwMode="auto" r:id="rId15">
             <p14:nvContentPartPr>
               <p14:cNvPr id="15" name="Ink 14">
@@ -8256,13 +8264,13 @@
             </p14:xfrm>
           </p:contentPart>
         </mc:Choice>
-        <mc:Fallback xmlns="">
+        <mc:Fallback>
           <p:pic>
             <p:nvPicPr>
               <p:cNvPr id="15" name="Ink 14">
                 <a:extLst>
                   <a:ext uri="{FF2B5EF4-FFF2-40B4-BE49-F238E27FC236}">
-                    <a16:creationId xmlns:a16="http://schemas.microsoft.com/office/drawing/2014/main" id="{EA56CB11-8AE3-4EA0-B556-BBB572803B07}"/>
+                    <a16:creationId xmlns:a16="http://schemas.microsoft.com/office/drawing/2014/main" xmlns="" xmlns:p14="http://schemas.microsoft.com/office/powerpoint/2010/main" id="{EA56CB11-8AE3-4EA0-B556-BBB572803B07}"/>
                   </a:ext>
                 </a:extLst>
               </p:cNvPr>
@@ -8270,7 +8278,7 @@
               <p:nvPr/>
             </p:nvPicPr>
             <p:blipFill>
-              <a:blip r:embed="rId7"/>
+              <a:blip r:embed="rId4"/>
               <a:stretch>
                 <a:fillRect/>
               </a:stretch>
@@ -8287,8 +8295,8 @@
           </p:pic>
         </mc:Fallback>
       </mc:AlternateContent>
-      <mc:AlternateContent xmlns:mc="http://schemas.openxmlformats.org/markup-compatibility/2006" xmlns:p14="http://schemas.microsoft.com/office/powerpoint/2010/main">
-        <mc:Choice Requires="p14">
+      <mc:AlternateContent xmlns:mc="http://schemas.openxmlformats.org/markup-compatibility/2006">
+        <mc:Choice xmlns:p14="http://schemas.microsoft.com/office/powerpoint/2010/main" xmlns="" Requires="p14">
           <p:contentPart p14:bwMode="auto" r:id="rId16">
             <p14:nvContentPartPr>
               <p14:cNvPr id="16" name="Ink 15">
@@ -8307,13 +8315,13 @@
             </p14:xfrm>
           </p:contentPart>
         </mc:Choice>
-        <mc:Fallback xmlns="">
+        <mc:Fallback>
           <p:pic>
             <p:nvPicPr>
               <p:cNvPr id="16" name="Ink 15">
                 <a:extLst>
                   <a:ext uri="{FF2B5EF4-FFF2-40B4-BE49-F238E27FC236}">
-                    <a16:creationId xmlns:a16="http://schemas.microsoft.com/office/drawing/2014/main" id="{78E27AEC-BDF9-49A4-A10A-6F5F64F01EEA}"/>
+                    <a16:creationId xmlns:a16="http://schemas.microsoft.com/office/drawing/2014/main" xmlns="" xmlns:p14="http://schemas.microsoft.com/office/powerpoint/2010/main" id="{78E27AEC-BDF9-49A4-A10A-6F5F64F01EEA}"/>
                   </a:ext>
                 </a:extLst>
               </p:cNvPr>
@@ -8321,7 +8329,7 @@
               <p:nvPr/>
             </p:nvPicPr>
             <p:blipFill>
-              <a:blip r:embed="rId7"/>
+              <a:blip r:embed="rId4"/>
               <a:stretch>
                 <a:fillRect/>
               </a:stretch>
@@ -8338,8 +8346,8 @@
           </p:pic>
         </mc:Fallback>
       </mc:AlternateContent>
-      <mc:AlternateContent xmlns:mc="http://schemas.openxmlformats.org/markup-compatibility/2006" xmlns:p14="http://schemas.microsoft.com/office/powerpoint/2010/main">
-        <mc:Choice Requires="p14">
+      <mc:AlternateContent xmlns:mc="http://schemas.openxmlformats.org/markup-compatibility/2006">
+        <mc:Choice xmlns:p14="http://schemas.microsoft.com/office/powerpoint/2010/main" xmlns="" Requires="p14">
           <p:contentPart p14:bwMode="auto" r:id="rId17">
             <p14:nvContentPartPr>
               <p14:cNvPr id="17" name="Ink 16">
@@ -8358,13 +8366,13 @@
             </p14:xfrm>
           </p:contentPart>
         </mc:Choice>
-        <mc:Fallback xmlns="">
+        <mc:Fallback>
           <p:pic>
             <p:nvPicPr>
               <p:cNvPr id="17" name="Ink 16">
                 <a:extLst>
                   <a:ext uri="{FF2B5EF4-FFF2-40B4-BE49-F238E27FC236}">
-                    <a16:creationId xmlns:a16="http://schemas.microsoft.com/office/drawing/2014/main" id="{00D1CCCF-5EBB-4FB3-A293-78C28946220A}"/>
+                    <a16:creationId xmlns:a16="http://schemas.microsoft.com/office/drawing/2014/main" xmlns="" xmlns:p14="http://schemas.microsoft.com/office/powerpoint/2010/main" id="{00D1CCCF-5EBB-4FB3-A293-78C28946220A}"/>
                   </a:ext>
                 </a:extLst>
               </p:cNvPr>
@@ -8372,7 +8380,7 @@
               <p:nvPr/>
             </p:nvPicPr>
             <p:blipFill>
-              <a:blip r:embed="rId7"/>
+              <a:blip r:embed="rId4"/>
               <a:stretch>
                 <a:fillRect/>
               </a:stretch>
@@ -8389,8 +8397,8 @@
           </p:pic>
         </mc:Fallback>
       </mc:AlternateContent>
-      <mc:AlternateContent xmlns:mc="http://schemas.openxmlformats.org/markup-compatibility/2006" xmlns:p14="http://schemas.microsoft.com/office/powerpoint/2010/main">
-        <mc:Choice Requires="p14">
+      <mc:AlternateContent xmlns:mc="http://schemas.openxmlformats.org/markup-compatibility/2006">
+        <mc:Choice xmlns:p14="http://schemas.microsoft.com/office/powerpoint/2010/main" xmlns="" Requires="p14">
           <p:contentPart p14:bwMode="auto" r:id="rId18">
             <p14:nvContentPartPr>
               <p14:cNvPr id="18" name="Ink 17">
@@ -8409,13 +8417,13 @@
             </p14:xfrm>
           </p:contentPart>
         </mc:Choice>
-        <mc:Fallback xmlns="">
+        <mc:Fallback>
           <p:pic>
             <p:nvPicPr>
               <p:cNvPr id="18" name="Ink 17">
                 <a:extLst>
                   <a:ext uri="{FF2B5EF4-FFF2-40B4-BE49-F238E27FC236}">
-                    <a16:creationId xmlns:a16="http://schemas.microsoft.com/office/drawing/2014/main" id="{0EC3AB97-946C-4D62-AEB0-E11D486AFBF0}"/>
+                    <a16:creationId xmlns:a16="http://schemas.microsoft.com/office/drawing/2014/main" xmlns="" xmlns:p14="http://schemas.microsoft.com/office/powerpoint/2010/main" id="{0EC3AB97-946C-4D62-AEB0-E11D486AFBF0}"/>
                   </a:ext>
                 </a:extLst>
               </p:cNvPr>
@@ -8423,7 +8431,7 @@
               <p:nvPr/>
             </p:nvPicPr>
             <p:blipFill>
-              <a:blip r:embed="rId7"/>
+              <a:blip r:embed="rId4"/>
               <a:stretch>
                 <a:fillRect/>
               </a:stretch>
@@ -8443,7 +8451,7 @@
     </p:spTree>
     <p:extLst>
       <p:ext uri="{BB962C8B-B14F-4D97-AF65-F5344CB8AC3E}">
-        <p14:creationId xmlns:p14="http://schemas.microsoft.com/office/powerpoint/2010/main" val="1339210688"/>
+        <p14:creationId xmlns:p14="http://schemas.microsoft.com/office/powerpoint/2010/main" xmlns="" val="1339210688"/>
       </p:ext>
     </p:extLst>
   </p:cSld>
@@ -8475,7 +8483,7 @@
           <p:cNvPr id="2" name="Title 1">
             <a:extLst>
               <a:ext uri="{FF2B5EF4-FFF2-40B4-BE49-F238E27FC236}">
-                <a16:creationId xmlns:a16="http://schemas.microsoft.com/office/drawing/2014/main" id="{2873BEC0-94F5-4226-A9E7-51B66045EF49}"/>
+                <a16:creationId xmlns:a16="http://schemas.microsoft.com/office/drawing/2014/main" xmlns="" id="{2873BEC0-94F5-4226-A9E7-51B66045EF49}"/>
               </a:ext>
             </a:extLst>
           </p:cNvPr>
@@ -8510,7 +8518,7 @@
           <p:cNvPr id="5" name="Content Placeholder 4">
             <a:extLst>
               <a:ext uri="{FF2B5EF4-FFF2-40B4-BE49-F238E27FC236}">
-                <a16:creationId xmlns:a16="http://schemas.microsoft.com/office/drawing/2014/main" id="{2768EE95-6888-43EA-B40F-391826C9FD13}"/>
+                <a16:creationId xmlns:a16="http://schemas.microsoft.com/office/drawing/2014/main" xmlns="" id="{2768EE95-6888-43EA-B40F-391826C9FD13}"/>
               </a:ext>
             </a:extLst>
           </p:cNvPr>
@@ -8537,7 +8545,7 @@
     </p:spTree>
     <p:extLst>
       <p:ext uri="{BB962C8B-B14F-4D97-AF65-F5344CB8AC3E}">
-        <p14:creationId xmlns:p14="http://schemas.microsoft.com/office/powerpoint/2010/main" val="1817399028"/>
+        <p14:creationId xmlns:p14="http://schemas.microsoft.com/office/powerpoint/2010/main" xmlns="" val="1817399028"/>
       </p:ext>
     </p:extLst>
   </p:cSld>
@@ -8569,7 +8577,7 @@
           <p:cNvPr id="2" name="Title 1">
             <a:extLst>
               <a:ext uri="{FF2B5EF4-FFF2-40B4-BE49-F238E27FC236}">
-                <a16:creationId xmlns:a16="http://schemas.microsoft.com/office/drawing/2014/main" id="{2E0AA1F0-323B-4E52-A397-BAF2FD898AF1}"/>
+                <a16:creationId xmlns:a16="http://schemas.microsoft.com/office/drawing/2014/main" xmlns="" id="{2E0AA1F0-323B-4E52-A397-BAF2FD898AF1}"/>
               </a:ext>
             </a:extLst>
           </p:cNvPr>
@@ -8597,7 +8605,7 @@
           <p:cNvPr id="3" name="Content Placeholder 2">
             <a:extLst>
               <a:ext uri="{FF2B5EF4-FFF2-40B4-BE49-F238E27FC236}">
-                <a16:creationId xmlns:a16="http://schemas.microsoft.com/office/drawing/2014/main" id="{33BE8A90-274B-4BFE-B143-CA4B1F573195}"/>
+                <a16:creationId xmlns:a16="http://schemas.microsoft.com/office/drawing/2014/main" xmlns="" id="{33BE8A90-274B-4BFE-B143-CA4B1F573195}"/>
               </a:ext>
             </a:extLst>
           </p:cNvPr>
@@ -8637,7 +8645,7 @@
           <p:cNvPr id="4" name="Content Placeholder 3">
             <a:extLst>
               <a:ext uri="{FF2B5EF4-FFF2-40B4-BE49-F238E27FC236}">
-                <a16:creationId xmlns:a16="http://schemas.microsoft.com/office/drawing/2014/main" id="{D7CBEAD6-AB0C-4C66-BA61-7411866D3630}"/>
+                <a16:creationId xmlns:a16="http://schemas.microsoft.com/office/drawing/2014/main" xmlns="" id="{D7CBEAD6-AB0C-4C66-BA61-7411866D3630}"/>
               </a:ext>
             </a:extLst>
           </p:cNvPr>
@@ -8671,7 +8679,7 @@
           <p:cNvPr id="6" name="Picture 5">
             <a:extLst>
               <a:ext uri="{FF2B5EF4-FFF2-40B4-BE49-F238E27FC236}">
-                <a16:creationId xmlns:a16="http://schemas.microsoft.com/office/drawing/2014/main" id="{DFA9E6D4-C340-48E1-AD8F-38B944F3ADE9}"/>
+                <a16:creationId xmlns:a16="http://schemas.microsoft.com/office/drawing/2014/main" xmlns="" id="{DFA9E6D4-C340-48E1-AD8F-38B944F3ADE9}"/>
               </a:ext>
             </a:extLst>
           </p:cNvPr>
@@ -8701,7 +8709,7 @@
           <p:cNvPr id="8" name="Picture 7">
             <a:extLst>
               <a:ext uri="{FF2B5EF4-FFF2-40B4-BE49-F238E27FC236}">
-                <a16:creationId xmlns:a16="http://schemas.microsoft.com/office/drawing/2014/main" id="{C1B3E2AB-BCF5-409E-A940-4990514F51AA}"/>
+                <a16:creationId xmlns:a16="http://schemas.microsoft.com/office/drawing/2014/main" xmlns="" id="{C1B3E2AB-BCF5-409E-A940-4990514F51AA}"/>
               </a:ext>
             </a:extLst>
           </p:cNvPr>
@@ -8729,7 +8737,7 @@
     </p:spTree>
     <p:extLst>
       <p:ext uri="{BB962C8B-B14F-4D97-AF65-F5344CB8AC3E}">
-        <p14:creationId xmlns:p14="http://schemas.microsoft.com/office/powerpoint/2010/main" val="3953367593"/>
+        <p14:creationId xmlns:p14="http://schemas.microsoft.com/office/powerpoint/2010/main" xmlns="" val="3953367593"/>
       </p:ext>
     </p:extLst>
   </p:cSld>
@@ -8761,7 +8769,7 @@
           <p:cNvPr id="2" name="Title 1">
             <a:extLst>
               <a:ext uri="{FF2B5EF4-FFF2-40B4-BE49-F238E27FC236}">
-                <a16:creationId xmlns:a16="http://schemas.microsoft.com/office/drawing/2014/main" id="{2873BEC0-94F5-4226-A9E7-51B66045EF49}"/>
+                <a16:creationId xmlns:a16="http://schemas.microsoft.com/office/drawing/2014/main" xmlns="" id="{2873BEC0-94F5-4226-A9E7-51B66045EF49}"/>
               </a:ext>
             </a:extLst>
           </p:cNvPr>
@@ -8796,7 +8804,7 @@
           <p:cNvPr id="3" name="Content Placeholder 2">
             <a:extLst>
               <a:ext uri="{FF2B5EF4-FFF2-40B4-BE49-F238E27FC236}">
-                <a16:creationId xmlns:a16="http://schemas.microsoft.com/office/drawing/2014/main" id="{902FD5C4-FE5F-46D2-ABC9-49FA4BB8442F}"/>
+                <a16:creationId xmlns:a16="http://schemas.microsoft.com/office/drawing/2014/main" xmlns="" id="{902FD5C4-FE5F-46D2-ABC9-49FA4BB8442F}"/>
               </a:ext>
             </a:extLst>
           </p:cNvPr>
@@ -8815,7 +8823,7 @@
         </p:spPr>
         <p:txBody>
           <a:bodyPr>
-            <a:normAutofit fontScale="92500" lnSpcReduction="10000"/>
+            <a:normAutofit fontScale="92500" lnSpcReduction="20000"/>
           </a:bodyPr>
           <a:lstStyle/>
           <a:p>
@@ -8873,7 +8881,7 @@
           <p:cNvPr id="5" name="Picture 4">
             <a:extLst>
               <a:ext uri="{FF2B5EF4-FFF2-40B4-BE49-F238E27FC236}">
-                <a16:creationId xmlns:a16="http://schemas.microsoft.com/office/drawing/2014/main" id="{65078B9B-93A7-4517-9E78-2F5C028F2238}"/>
+                <a16:creationId xmlns:a16="http://schemas.microsoft.com/office/drawing/2014/main" xmlns="" id="{65078B9B-93A7-4517-9E78-2F5C028F2238}"/>
               </a:ext>
             </a:extLst>
           </p:cNvPr>
@@ -8901,7 +8909,7 @@
     </p:spTree>
     <p:extLst>
       <p:ext uri="{BB962C8B-B14F-4D97-AF65-F5344CB8AC3E}">
-        <p14:creationId xmlns:p14="http://schemas.microsoft.com/office/powerpoint/2010/main" val="3083623366"/>
+        <p14:creationId xmlns:p14="http://schemas.microsoft.com/office/powerpoint/2010/main" xmlns="" val="3083623366"/>
       </p:ext>
     </p:extLst>
   </p:cSld>
@@ -8933,7 +8941,7 @@
           <p:cNvPr id="2" name="Title 1">
             <a:extLst>
               <a:ext uri="{FF2B5EF4-FFF2-40B4-BE49-F238E27FC236}">
-                <a16:creationId xmlns:a16="http://schemas.microsoft.com/office/drawing/2014/main" id="{2873BEC0-94F5-4226-A9E7-51B66045EF49}"/>
+                <a16:creationId xmlns:a16="http://schemas.microsoft.com/office/drawing/2014/main" xmlns="" id="{2873BEC0-94F5-4226-A9E7-51B66045EF49}"/>
               </a:ext>
             </a:extLst>
           </p:cNvPr>
@@ -8968,7 +8976,7 @@
           <p:cNvPr id="4" name="Picture 3">
             <a:extLst>
               <a:ext uri="{FF2B5EF4-FFF2-40B4-BE49-F238E27FC236}">
-                <a16:creationId xmlns:a16="http://schemas.microsoft.com/office/drawing/2014/main" id="{EE158731-59BB-48A2-A901-D7C35E91BA10}"/>
+                <a16:creationId xmlns:a16="http://schemas.microsoft.com/office/drawing/2014/main" xmlns="" id="{EE158731-59BB-48A2-A901-D7C35E91BA10}"/>
               </a:ext>
             </a:extLst>
           </p:cNvPr>
@@ -8998,7 +9006,7 @@
           <p:cNvPr id="5" name="Content Placeholder 2">
             <a:extLst>
               <a:ext uri="{FF2B5EF4-FFF2-40B4-BE49-F238E27FC236}">
-                <a16:creationId xmlns:a16="http://schemas.microsoft.com/office/drawing/2014/main" id="{DC710A13-9821-054D-8648-FB592F1CDDDF}"/>
+                <a16:creationId xmlns:a16="http://schemas.microsoft.com/office/drawing/2014/main" xmlns="" id="{DC710A13-9821-054D-8648-FB592F1CDDDF}"/>
               </a:ext>
             </a:extLst>
           </p:cNvPr>
@@ -9207,7 +9215,7 @@
     </p:spTree>
     <p:extLst>
       <p:ext uri="{BB962C8B-B14F-4D97-AF65-F5344CB8AC3E}">
-        <p14:creationId xmlns:p14="http://schemas.microsoft.com/office/powerpoint/2010/main" val="710623681"/>
+        <p14:creationId xmlns:p14="http://schemas.microsoft.com/office/powerpoint/2010/main" xmlns="" val="710623681"/>
       </p:ext>
     </p:extLst>
   </p:cSld>
@@ -9239,7 +9247,7 @@
           <p:cNvPr id="2" name="Title 1">
             <a:extLst>
               <a:ext uri="{FF2B5EF4-FFF2-40B4-BE49-F238E27FC236}">
-                <a16:creationId xmlns:a16="http://schemas.microsoft.com/office/drawing/2014/main" id="{2873BEC0-94F5-4226-A9E7-51B66045EF49}"/>
+                <a16:creationId xmlns:a16="http://schemas.microsoft.com/office/drawing/2014/main" xmlns="" id="{2873BEC0-94F5-4226-A9E7-51B66045EF49}"/>
               </a:ext>
             </a:extLst>
           </p:cNvPr>
@@ -9274,7 +9282,7 @@
           <p:cNvPr id="3" name="Content Placeholder 2">
             <a:extLst>
               <a:ext uri="{FF2B5EF4-FFF2-40B4-BE49-F238E27FC236}">
-                <a16:creationId xmlns:a16="http://schemas.microsoft.com/office/drawing/2014/main" id="{902FD5C4-FE5F-46D2-ABC9-49FA4BB8442F}"/>
+                <a16:creationId xmlns:a16="http://schemas.microsoft.com/office/drawing/2014/main" xmlns="" id="{902FD5C4-FE5F-46D2-ABC9-49FA4BB8442F}"/>
               </a:ext>
             </a:extLst>
           </p:cNvPr>
@@ -9293,7 +9301,7 @@
         </p:spPr>
         <p:txBody>
           <a:bodyPr>
-            <a:normAutofit fontScale="85000" lnSpcReduction="20000"/>
+            <a:normAutofit fontScale="77500" lnSpcReduction="20000"/>
           </a:bodyPr>
           <a:lstStyle/>
           <a:p>
@@ -9350,7 +9358,7 @@
           <p:cNvPr id="5" name="Picture 4">
             <a:extLst>
               <a:ext uri="{FF2B5EF4-FFF2-40B4-BE49-F238E27FC236}">
-                <a16:creationId xmlns:a16="http://schemas.microsoft.com/office/drawing/2014/main" id="{33AE176B-DE78-4B75-AC9E-2A422E82D533}"/>
+                <a16:creationId xmlns:a16="http://schemas.microsoft.com/office/drawing/2014/main" xmlns="" id="{33AE176B-DE78-4B75-AC9E-2A422E82D533}"/>
               </a:ext>
             </a:extLst>
           </p:cNvPr>
@@ -9378,7 +9386,7 @@
     </p:spTree>
     <p:extLst>
       <p:ext uri="{BB962C8B-B14F-4D97-AF65-F5344CB8AC3E}">
-        <p14:creationId xmlns:p14="http://schemas.microsoft.com/office/powerpoint/2010/main" val="452859177"/>
+        <p14:creationId xmlns:p14="http://schemas.microsoft.com/office/powerpoint/2010/main" xmlns="" val="452859177"/>
       </p:ext>
     </p:extLst>
   </p:cSld>
@@ -9410,7 +9418,7 @@
           <p:cNvPr id="2" name="Title 1">
             <a:extLst>
               <a:ext uri="{FF2B5EF4-FFF2-40B4-BE49-F238E27FC236}">
-                <a16:creationId xmlns:a16="http://schemas.microsoft.com/office/drawing/2014/main" id="{2873BEC0-94F5-4226-A9E7-51B66045EF49}"/>
+                <a16:creationId xmlns:a16="http://schemas.microsoft.com/office/drawing/2014/main" xmlns="" id="{2873BEC0-94F5-4226-A9E7-51B66045EF49}"/>
               </a:ext>
             </a:extLst>
           </p:cNvPr>
@@ -9445,7 +9453,7 @@
           <p:cNvPr id="3" name="Content Placeholder 2">
             <a:extLst>
               <a:ext uri="{FF2B5EF4-FFF2-40B4-BE49-F238E27FC236}">
-                <a16:creationId xmlns:a16="http://schemas.microsoft.com/office/drawing/2014/main" id="{902FD5C4-FE5F-46D2-ABC9-49FA4BB8442F}"/>
+                <a16:creationId xmlns:a16="http://schemas.microsoft.com/office/drawing/2014/main" xmlns="" id="{902FD5C4-FE5F-46D2-ABC9-49FA4BB8442F}"/>
               </a:ext>
             </a:extLst>
           </p:cNvPr>
@@ -9490,7 +9498,7 @@
     </p:spTree>
     <p:extLst>
       <p:ext uri="{BB962C8B-B14F-4D97-AF65-F5344CB8AC3E}">
-        <p14:creationId xmlns:p14="http://schemas.microsoft.com/office/powerpoint/2010/main" val="1464666480"/>
+        <p14:creationId xmlns:p14="http://schemas.microsoft.com/office/powerpoint/2010/main" xmlns="" val="1464666480"/>
       </p:ext>
     </p:extLst>
   </p:cSld>
@@ -9522,7 +9530,7 @@
           <p:cNvPr id="2" name="Title 1">
             <a:extLst>
               <a:ext uri="{FF2B5EF4-FFF2-40B4-BE49-F238E27FC236}">
-                <a16:creationId xmlns:a16="http://schemas.microsoft.com/office/drawing/2014/main" id="{65C3525F-7CB4-4C06-B037-C81D2DED9B80}"/>
+                <a16:creationId xmlns:a16="http://schemas.microsoft.com/office/drawing/2014/main" xmlns="" id="{65C3525F-7CB4-4C06-B037-C81D2DED9B80}"/>
               </a:ext>
             </a:extLst>
           </p:cNvPr>
@@ -9550,7 +9558,7 @@
           <p:cNvPr id="3" name="Content Placeholder 2">
             <a:extLst>
               <a:ext uri="{FF2B5EF4-FFF2-40B4-BE49-F238E27FC236}">
-                <a16:creationId xmlns:a16="http://schemas.microsoft.com/office/drawing/2014/main" id="{E4FC0D20-FACF-4D73-BD27-CF8F6B97546A}"/>
+                <a16:creationId xmlns:a16="http://schemas.microsoft.com/office/drawing/2014/main" xmlns="" id="{E4FC0D20-FACF-4D73-BD27-CF8F6B97546A}"/>
               </a:ext>
             </a:extLst>
           </p:cNvPr>
@@ -9563,12 +9571,14 @@
         </p:nvSpPr>
         <p:spPr>
           <a:xfrm>
-            <a:off x="813816" y="1825625"/>
-            <a:ext cx="2228642" cy="501939"/>
+            <a:off x="813815" y="1825625"/>
+            <a:ext cx="3699995" cy="501939"/>
           </a:xfrm>
         </p:spPr>
         <p:txBody>
-          <a:bodyPr/>
+          <a:bodyPr>
+            <a:normAutofit/>
+          </a:bodyPr>
           <a:lstStyle/>
           <a:p>
             <a:pPr marL="0" indent="0">
@@ -9586,7 +9596,7 @@
           <p:cNvPr id="4" name="Content Placeholder 3">
             <a:extLst>
               <a:ext uri="{FF2B5EF4-FFF2-40B4-BE49-F238E27FC236}">
-                <a16:creationId xmlns:a16="http://schemas.microsoft.com/office/drawing/2014/main" id="{ACA6A89D-097D-4968-A07A-39A5B4F78A62}"/>
+                <a16:creationId xmlns:a16="http://schemas.microsoft.com/office/drawing/2014/main" xmlns="" id="{ACA6A89D-097D-4968-A07A-39A5B4F78A62}"/>
               </a:ext>
             </a:extLst>
           </p:cNvPr>
@@ -9599,12 +9609,14 @@
         </p:nvSpPr>
         <p:spPr>
           <a:xfrm>
-            <a:off x="6172200" y="1825625"/>
-            <a:ext cx="1758142" cy="501939"/>
+            <a:off x="6172199" y="1825625"/>
+            <a:ext cx="2847109" cy="501939"/>
           </a:xfrm>
         </p:spPr>
         <p:txBody>
-          <a:bodyPr/>
+          <a:bodyPr>
+            <a:normAutofit/>
+          </a:bodyPr>
           <a:lstStyle/>
           <a:p>
             <a:pPr marL="0" indent="0">
@@ -9622,7 +9634,7 @@
           <p:cNvPr id="8" name="Content Placeholder 2">
             <a:extLst>
               <a:ext uri="{FF2B5EF4-FFF2-40B4-BE49-F238E27FC236}">
-                <a16:creationId xmlns:a16="http://schemas.microsoft.com/office/drawing/2014/main" id="{D13C2F43-A283-4FD4-9C0D-BFF93C50AC01}"/>
+                <a16:creationId xmlns:a16="http://schemas.microsoft.com/office/drawing/2014/main" xmlns="" id="{D13C2F43-A283-4FD4-9C0D-BFF93C50AC01}"/>
               </a:ext>
             </a:extLst>
           </p:cNvPr>
@@ -9821,7 +9833,7 @@
           <p:cNvPr id="10" name="Content Placeholder 2">
             <a:extLst>
               <a:ext uri="{FF2B5EF4-FFF2-40B4-BE49-F238E27FC236}">
-                <a16:creationId xmlns:a16="http://schemas.microsoft.com/office/drawing/2014/main" id="{AE706D50-7D14-4DB8-BE17-5497AA1715EE}"/>
+                <a16:creationId xmlns:a16="http://schemas.microsoft.com/office/drawing/2014/main" xmlns="" id="{AE706D50-7D14-4DB8-BE17-5497AA1715EE}"/>
               </a:ext>
             </a:extLst>
           </p:cNvPr>
@@ -10020,7 +10032,7 @@
           <p:cNvPr id="12" name="Picture 11">
             <a:extLst>
               <a:ext uri="{FF2B5EF4-FFF2-40B4-BE49-F238E27FC236}">
-                <a16:creationId xmlns:a16="http://schemas.microsoft.com/office/drawing/2014/main" id="{A4158AF4-BF8D-4462-A312-4D996CA55CB3}"/>
+                <a16:creationId xmlns:a16="http://schemas.microsoft.com/office/drawing/2014/main" xmlns="" id="{A4158AF4-BF8D-4462-A312-4D996CA55CB3}"/>
               </a:ext>
             </a:extLst>
           </p:cNvPr>
@@ -10050,7 +10062,7 @@
           <p:cNvPr id="16" name="Picture 15">
             <a:extLst>
               <a:ext uri="{FF2B5EF4-FFF2-40B4-BE49-F238E27FC236}">
-                <a16:creationId xmlns:a16="http://schemas.microsoft.com/office/drawing/2014/main" id="{7934DB4F-630C-4EE8-BFD2-4732E559D622}"/>
+                <a16:creationId xmlns:a16="http://schemas.microsoft.com/office/drawing/2014/main" xmlns="" id="{7934DB4F-630C-4EE8-BFD2-4732E559D622}"/>
               </a:ext>
             </a:extLst>
           </p:cNvPr>
@@ -10078,7 +10090,7 @@
     </p:spTree>
     <p:extLst>
       <p:ext uri="{BB962C8B-B14F-4D97-AF65-F5344CB8AC3E}">
-        <p14:creationId xmlns:p14="http://schemas.microsoft.com/office/powerpoint/2010/main" val="1957259874"/>
+        <p14:creationId xmlns:p14="http://schemas.microsoft.com/office/powerpoint/2010/main" xmlns="" val="1957259874"/>
       </p:ext>
     </p:extLst>
   </p:cSld>
@@ -10110,7 +10122,7 @@
           <p:cNvPr id="2" name="Title 1">
             <a:extLst>
               <a:ext uri="{FF2B5EF4-FFF2-40B4-BE49-F238E27FC236}">
-                <a16:creationId xmlns:a16="http://schemas.microsoft.com/office/drawing/2014/main" id="{65C3525F-7CB4-4C06-B037-C81D2DED9B80}"/>
+                <a16:creationId xmlns:a16="http://schemas.microsoft.com/office/drawing/2014/main" xmlns="" id="{65C3525F-7CB4-4C06-B037-C81D2DED9B80}"/>
               </a:ext>
             </a:extLst>
           </p:cNvPr>
@@ -10140,7 +10152,7 @@
           <p:cNvPr id="3" name="Content Placeholder 2">
             <a:extLst>
               <a:ext uri="{FF2B5EF4-FFF2-40B4-BE49-F238E27FC236}">
-                <a16:creationId xmlns:a16="http://schemas.microsoft.com/office/drawing/2014/main" id="{E4FC0D20-FACF-4D73-BD27-CF8F6B97546A}"/>
+                <a16:creationId xmlns:a16="http://schemas.microsoft.com/office/drawing/2014/main" xmlns="" id="{E4FC0D20-FACF-4D73-BD27-CF8F6B97546A}"/>
               </a:ext>
             </a:extLst>
           </p:cNvPr>
@@ -10286,7 +10298,7 @@
           <p:cNvPr id="4" name="Content Placeholder 3">
             <a:extLst>
               <a:ext uri="{FF2B5EF4-FFF2-40B4-BE49-F238E27FC236}">
-                <a16:creationId xmlns:a16="http://schemas.microsoft.com/office/drawing/2014/main" id="{ACA6A89D-097D-4968-A07A-39A5B4F78A62}"/>
+                <a16:creationId xmlns:a16="http://schemas.microsoft.com/office/drawing/2014/main" xmlns="" id="{ACA6A89D-097D-4968-A07A-39A5B4F78A62}"/>
               </a:ext>
             </a:extLst>
           </p:cNvPr>
@@ -10350,7 +10362,7 @@
     </p:spTree>
     <p:extLst>
       <p:ext uri="{BB962C8B-B14F-4D97-AF65-F5344CB8AC3E}">
-        <p14:creationId xmlns:p14="http://schemas.microsoft.com/office/powerpoint/2010/main" val="545569246"/>
+        <p14:creationId xmlns:p14="http://schemas.microsoft.com/office/powerpoint/2010/main" xmlns="" val="545569246"/>
       </p:ext>
     </p:extLst>
   </p:cSld>
@@ -10382,7 +10394,7 @@
           <p:cNvPr id="2" name="Title 1">
             <a:extLst>
               <a:ext uri="{FF2B5EF4-FFF2-40B4-BE49-F238E27FC236}">
-                <a16:creationId xmlns:a16="http://schemas.microsoft.com/office/drawing/2014/main" id="{65C3525F-7CB4-4C06-B037-C81D2DED9B80}"/>
+                <a16:creationId xmlns:a16="http://schemas.microsoft.com/office/drawing/2014/main" xmlns="" id="{65C3525F-7CB4-4C06-B037-C81D2DED9B80}"/>
               </a:ext>
             </a:extLst>
           </p:cNvPr>
@@ -10415,7 +10427,7 @@
           <p:cNvPr id="3" name="Content Placeholder 2">
             <a:extLst>
               <a:ext uri="{FF2B5EF4-FFF2-40B4-BE49-F238E27FC236}">
-                <a16:creationId xmlns:a16="http://schemas.microsoft.com/office/drawing/2014/main" id="{E4FC0D20-FACF-4D73-BD27-CF8F6B97546A}"/>
+                <a16:creationId xmlns:a16="http://schemas.microsoft.com/office/drawing/2014/main" xmlns="" id="{E4FC0D20-FACF-4D73-BD27-CF8F6B97546A}"/>
               </a:ext>
             </a:extLst>
           </p:cNvPr>
@@ -10433,7 +10445,9 @@
           </a:xfrm>
         </p:spPr>
         <p:txBody>
-          <a:bodyPr/>
+          <a:bodyPr>
+            <a:normAutofit fontScale="85000" lnSpcReduction="10000"/>
+          </a:bodyPr>
           <a:lstStyle/>
           <a:p>
             <a:pPr marL="0" indent="0">
@@ -10451,7 +10465,7 @@
           <p:cNvPr id="4" name="Content Placeholder 3">
             <a:extLst>
               <a:ext uri="{FF2B5EF4-FFF2-40B4-BE49-F238E27FC236}">
-                <a16:creationId xmlns:a16="http://schemas.microsoft.com/office/drawing/2014/main" id="{ACA6A89D-097D-4968-A07A-39A5B4F78A62}"/>
+                <a16:creationId xmlns:a16="http://schemas.microsoft.com/office/drawing/2014/main" xmlns="" id="{ACA6A89D-097D-4968-A07A-39A5B4F78A62}"/>
               </a:ext>
             </a:extLst>
           </p:cNvPr>
@@ -10469,7 +10483,9 @@
           </a:xfrm>
         </p:spPr>
         <p:txBody>
-          <a:bodyPr/>
+          <a:bodyPr>
+            <a:normAutofit fontScale="85000" lnSpcReduction="10000"/>
+          </a:bodyPr>
           <a:lstStyle/>
           <a:p>
             <a:pPr marL="0" indent="0">
@@ -10487,7 +10503,7 @@
           <p:cNvPr id="8" name="Content Placeholder 2">
             <a:extLst>
               <a:ext uri="{FF2B5EF4-FFF2-40B4-BE49-F238E27FC236}">
-                <a16:creationId xmlns:a16="http://schemas.microsoft.com/office/drawing/2014/main" id="{D13C2F43-A283-4FD4-9C0D-BFF93C50AC01}"/>
+                <a16:creationId xmlns:a16="http://schemas.microsoft.com/office/drawing/2014/main" xmlns="" id="{D13C2F43-A283-4FD4-9C0D-BFF93C50AC01}"/>
               </a:ext>
             </a:extLst>
           </p:cNvPr>
@@ -10686,7 +10702,7 @@
           <p:cNvPr id="10" name="Content Placeholder 2">
             <a:extLst>
               <a:ext uri="{FF2B5EF4-FFF2-40B4-BE49-F238E27FC236}">
-                <a16:creationId xmlns:a16="http://schemas.microsoft.com/office/drawing/2014/main" id="{AE706D50-7D14-4DB8-BE17-5497AA1715EE}"/>
+                <a16:creationId xmlns:a16="http://schemas.microsoft.com/office/drawing/2014/main" xmlns="" id="{AE706D50-7D14-4DB8-BE17-5497AA1715EE}"/>
               </a:ext>
             </a:extLst>
           </p:cNvPr>
@@ -10885,7 +10901,7 @@
           <p:cNvPr id="6" name="Picture 5">
             <a:extLst>
               <a:ext uri="{FF2B5EF4-FFF2-40B4-BE49-F238E27FC236}">
-                <a16:creationId xmlns:a16="http://schemas.microsoft.com/office/drawing/2014/main" id="{98916A17-97A1-4C7C-B679-38E7B7856007}"/>
+                <a16:creationId xmlns:a16="http://schemas.microsoft.com/office/drawing/2014/main" xmlns="" id="{98916A17-97A1-4C7C-B679-38E7B7856007}"/>
               </a:ext>
             </a:extLst>
           </p:cNvPr>
@@ -10915,7 +10931,7 @@
           <p:cNvPr id="9" name="Picture 8">
             <a:extLst>
               <a:ext uri="{FF2B5EF4-FFF2-40B4-BE49-F238E27FC236}">
-                <a16:creationId xmlns:a16="http://schemas.microsoft.com/office/drawing/2014/main" id="{656E284D-7598-4EB0-BD7B-7CB251C6A447}"/>
+                <a16:creationId xmlns:a16="http://schemas.microsoft.com/office/drawing/2014/main" xmlns="" id="{656E284D-7598-4EB0-BD7B-7CB251C6A447}"/>
               </a:ext>
             </a:extLst>
           </p:cNvPr>
@@ -10943,7 +10959,7 @@
     </p:spTree>
     <p:extLst>
       <p:ext uri="{BB962C8B-B14F-4D97-AF65-F5344CB8AC3E}">
-        <p14:creationId xmlns:p14="http://schemas.microsoft.com/office/powerpoint/2010/main" val="1074638838"/>
+        <p14:creationId xmlns:p14="http://schemas.microsoft.com/office/powerpoint/2010/main" xmlns="" val="1074638838"/>
       </p:ext>
     </p:extLst>
   </p:cSld>
@@ -11148,7 +11164,7 @@
   <a:extraClrSchemeLst/>
   <a:extLst>
     <a:ext uri="{05A4C25C-085E-4340-85A3-A5531E510DB2}">
-      <thm15:themeFamily xmlns:thm15="http://schemas.microsoft.com/office/thememl/2012/main" name="IBM final PPT template.pptx" id="{F28CB670-EDE3-4FD8-A231-7FA031A67C03}" vid="{06644C38-457B-4174-9AD6-1A9A0DF3941C}"/>
+      <thm15:themeFamily xmlns:thm15="http://schemas.microsoft.com/office/thememl/2012/main" xmlns="" name="IBM final PPT template.pptx" id="{F28CB670-EDE3-4FD8-A231-7FA031A67C03}" vid="{06644C38-457B-4174-9AD6-1A9A0DF3941C}"/>
     </a:ext>
   </a:extLst>
 </a:theme>
@@ -11197,7 +11213,7 @@
     </a:clrScheme>
     <a:fontScheme name="Office">
       <a:majorFont>
-        <a:latin typeface="Calibri Light" panose="020F0302020204030204"/>
+        <a:latin typeface="Calibri Light"/>
         <a:ea typeface=""/>
         <a:cs typeface=""/>
         <a:font script="Jpan" typeface="游ゴシック Light"/>
@@ -11249,7 +11265,7 @@
         <a:font script="Tfng" typeface="Ebrima"/>
       </a:majorFont>
       <a:minorFont>
-        <a:latin typeface="Calibri" panose="020F0502020204030204"/>
+        <a:latin typeface="Calibri"/>
         <a:ea typeface=""/>
         <a:cs typeface=""/>
         <a:font script="Jpan" typeface="游ゴシック"/>
@@ -11443,13 +11459,28 @@
   <a:extraClrSchemeLst/>
   <a:extLst>
     <a:ext uri="{05A4C25C-085E-4340-85A3-A5531E510DB2}">
-      <thm15:themeFamily xmlns:thm15="http://schemas.microsoft.com/office/thememl/2012/main" name="Office Theme" id="{62F939B6-93AF-4DB8-9C6B-D6C7DFDC589F}" vid="{4A3C46E8-61CC-4603-A589-7422A47A8E4A}"/>
+      <thm15:themeFamily xmlns:thm15="http://schemas.microsoft.com/office/thememl/2012/main" xmlns="" name="Office Theme" id="{62F939B6-93AF-4DB8-9C6B-D6C7DFDC589F}" vid="{4A3C46E8-61CC-4603-A589-7422A47A8E4A}"/>
     </a:ext>
   </a:extLst>
 </a:theme>
 </file>
 
 <file path=customXml/item1.xml><?xml version="1.0" encoding="utf-8"?>
+<p:properties xmlns:p="http://schemas.microsoft.com/office/2006/metadata/properties" xmlns:xsi="http://www.w3.org/2001/XMLSchema-instance" xmlns:pc="http://schemas.microsoft.com/office/infopath/2007/PartnerControls">
+  <documentManagement/>
+</p:properties>
+</file>
+
+<file path=customXml/item2.xml><?xml version="1.0" encoding="utf-8"?>
+<?mso-contentType ?>
+<FormTemplates xmlns="http://schemas.microsoft.com/sharepoint/v3/contenttype/forms">
+  <Display>DocumentLibraryForm</Display>
+  <Edit>DocumentLibraryForm</Edit>
+  <New>DocumentLibraryForm</New>
+</FormTemplates>
+</file>
+
+<file path=customXml/item3.xml><?xml version="1.0" encoding="utf-8"?>
 <ct:contentTypeSchema xmlns:ct="http://schemas.microsoft.com/office/2006/metadata/contentType" xmlns:ma="http://schemas.microsoft.com/office/2006/metadata/properties/metaAttributes" ct:_="" ma:_="" ma:contentTypeName="Document" ma:contentTypeID="0x010100EECD86F56755A646AC8AFCBCBD967F21" ma:contentTypeVersion="11" ma:contentTypeDescription="Create a new document." ma:contentTypeScope="" ma:versionID="4bc1015ece1c23b1ef2f55a62f11494f">
   <xsd:schema xmlns:xsd="http://www.w3.org/2001/XMLSchema" xmlns:xs="http://www.w3.org/2001/XMLSchema" xmlns:p="http://schemas.microsoft.com/office/2006/metadata/properties" xmlns:ns2="155be751-a274-42e8-93fb-f39d3b9bccc8" xmlns:ns3="f80a141d-92ca-4d3d-9308-f7e7b1d44ce8" targetNamespace="http://schemas.microsoft.com/office/2006/metadata/properties" ma:root="true" ma:fieldsID="efbf6837a43ed91190e40f849f23a130" ns2:_="" ns3:_="">
     <xsd:import namespace="155be751-a274-42e8-93fb-f39d3b9bccc8"/>
@@ -11660,22 +11691,24 @@
 </ct:contentTypeSchema>
 </file>
 
-<file path=customXml/item2.xml><?xml version="1.0" encoding="utf-8"?>
-<?mso-contentType ?>
-<FormTemplates xmlns="http://schemas.microsoft.com/sharepoint/v3/contenttype/forms">
-  <Display>DocumentLibraryForm</Display>
-  <Edit>DocumentLibraryForm</Edit>
-  <New>DocumentLibraryForm</New>
-</FormTemplates>
+<file path=customXml/itemProps1.xml><?xml version="1.0" encoding="utf-8"?>
+<ds:datastoreItem xmlns:ds="http://schemas.openxmlformats.org/officeDocument/2006/customXml" ds:itemID="{54DA07C5-A406-4A0D-B3E6-3856C94AC7F3}">
+  <ds:schemaRefs>
+    <ds:schemaRef ds:uri="http://schemas.microsoft.com/office/2006/metadata/properties"/>
+    <ds:schemaRef ds:uri="http://schemas.microsoft.com/office/infopath/2007/PartnerControls"/>
+  </ds:schemaRefs>
+</ds:datastoreItem>
 </file>
 
-<file path=customXml/item3.xml><?xml version="1.0" encoding="utf-8"?>
-<p:properties xmlns:p="http://schemas.microsoft.com/office/2006/metadata/properties" xmlns:xsi="http://www.w3.org/2001/XMLSchema-instance" xmlns:pc="http://schemas.microsoft.com/office/infopath/2007/PartnerControls">
-  <documentManagement/>
-</p:properties>
+<file path=customXml/itemProps2.xml><?xml version="1.0" encoding="utf-8"?>
+<ds:datastoreItem xmlns:ds="http://schemas.openxmlformats.org/officeDocument/2006/customXml" ds:itemID="{7EFDA260-DDA0-422C-B7AE-778F653FBB36}">
+  <ds:schemaRefs>
+    <ds:schemaRef ds:uri="http://schemas.microsoft.com/sharepoint/v3/contenttype/forms"/>
+  </ds:schemaRefs>
+</ds:datastoreItem>
 </file>
 
-<file path=customXml/itemProps1.xml><?xml version="1.0" encoding="utf-8"?>
+<file path=customXml/itemProps3.xml><?xml version="1.0" encoding="utf-8"?>
 <ds:datastoreItem xmlns:ds="http://schemas.openxmlformats.org/officeDocument/2006/customXml" ds:itemID="{887AE8FE-83F0-42D0-BB5E-14AD3FB1DE17}">
   <ds:schemaRefs>
     <ds:schemaRef ds:uri="http://schemas.microsoft.com/office/2006/metadata/contentType"/>
@@ -11692,21 +11725,4 @@
     <ds:schemaRef ds:uri="http://schemas.microsoft.com/internal/obd"/>
   </ds:schemaRefs>
 </ds:datastoreItem>
-</file>
-
-<file path=customXml/itemProps2.xml><?xml version="1.0" encoding="utf-8"?>
-<ds:datastoreItem xmlns:ds="http://schemas.openxmlformats.org/officeDocument/2006/customXml" ds:itemID="{7EFDA260-DDA0-422C-B7AE-778F653FBB36}">
-  <ds:schemaRefs>
-    <ds:schemaRef ds:uri="http://schemas.microsoft.com/sharepoint/v3/contenttype/forms"/>
-  </ds:schemaRefs>
-</ds:datastoreItem>
-</file>
-
-<file path=customXml/itemProps3.xml><?xml version="1.0" encoding="utf-8"?>
-<ds:datastoreItem xmlns:ds="http://schemas.openxmlformats.org/officeDocument/2006/customXml" ds:itemID="{54DA07C5-A406-4A0D-B3E6-3856C94AC7F3}">
-  <ds:schemaRefs>
-    <ds:schemaRef ds:uri="http://schemas.microsoft.com/office/2006/metadata/properties"/>
-    <ds:schemaRef ds:uri="http://schemas.microsoft.com/office/infopath/2007/PartnerControls"/>
-  </ds:schemaRefs>
-</ds:datastoreItem>
 </file>